--- a/A1template.pptx
+++ b/A1template.pptx
@@ -6,6 +6,8 @@
   </p:sldMasterIdLst>
   <p:sldIdLst>
     <p:sldId id="256" r:id="rId2"/>
+    <p:sldId id="257" r:id="rId3"/>
+    <p:sldId id="258" r:id="rId4"/>
   </p:sldIdLst>
   <p:sldSz cx="21386800" cy="30279975"/>
   <p:notesSz cx="9144000" cy="6858000"/>
@@ -4106,6 +4108,481 @@
 </p:sld>
 </file>
 
+<file path=ppt/slides/slide2.xml><?xml version="1.0" encoding="utf-8"?>
+<p:sld xmlns:a="http://schemas.openxmlformats.org/drawingml/2006/main" xmlns:r="http://schemas.openxmlformats.org/officeDocument/2006/relationships" xmlns:p="http://schemas.openxmlformats.org/presentationml/2006/main">
+  <p:cSld>
+    <p:spTree>
+      <p:nvGrpSpPr>
+        <p:cNvPr id="1" name=""/>
+        <p:cNvGrpSpPr/>
+        <p:nvPr/>
+      </p:nvGrpSpPr>
+      <p:grpSpPr>
+        <a:xfrm>
+          <a:off x="0" y="0"/>
+          <a:ext cx="0" cy="0"/>
+          <a:chOff x="0" y="0"/>
+          <a:chExt cx="0" cy="0"/>
+        </a:xfrm>
+      </p:grpSpPr>
+      <p:pic>
+        <p:nvPicPr>
+          <p:cNvPr id="11" name="图片 10">
+            <a:extLst>
+              <a:ext uri="{FF2B5EF4-FFF2-40B4-BE49-F238E27FC236}">
+                <a16:creationId xmlns:a16="http://schemas.microsoft.com/office/drawing/2014/main" id="{06963808-2937-4DBC-ACEB-05D178E09EDC}"/>
+              </a:ext>
+            </a:extLst>
+          </p:cNvPr>
+          <p:cNvPicPr>
+            <a:picLocks noChangeAspect="1"/>
+          </p:cNvPicPr>
+          <p:nvPr/>
+        </p:nvPicPr>
+        <p:blipFill>
+          <a:blip r:embed="rId2"/>
+          <a:stretch>
+            <a:fillRect/>
+          </a:stretch>
+        </p:blipFill>
+        <p:spPr>
+          <a:xfrm>
+            <a:off x="6029556" y="3402683"/>
+            <a:ext cx="9327688" cy="4316342"/>
+          </a:xfrm>
+          <a:prstGeom prst="rect">
+            <a:avLst/>
+          </a:prstGeom>
+        </p:spPr>
+      </p:pic>
+      <p:pic>
+        <p:nvPicPr>
+          <p:cNvPr id="14" name="图片 13">
+            <a:extLst>
+              <a:ext uri="{FF2B5EF4-FFF2-40B4-BE49-F238E27FC236}">
+                <a16:creationId xmlns:a16="http://schemas.microsoft.com/office/drawing/2014/main" id="{15D1844C-C67A-494B-8DC9-401F2184C2F2}"/>
+              </a:ext>
+            </a:extLst>
+          </p:cNvPr>
+          <p:cNvPicPr>
+            <a:picLocks noChangeAspect="1"/>
+          </p:cNvPicPr>
+          <p:nvPr/>
+        </p:nvPicPr>
+        <p:blipFill>
+          <a:blip r:embed="rId3"/>
+          <a:stretch>
+            <a:fillRect/>
+          </a:stretch>
+        </p:blipFill>
+        <p:spPr>
+          <a:xfrm>
+            <a:off x="1332360" y="8827174"/>
+            <a:ext cx="17600000" cy="3590476"/>
+          </a:xfrm>
+          <a:prstGeom prst="rect">
+            <a:avLst/>
+          </a:prstGeom>
+        </p:spPr>
+      </p:pic>
+      <p:sp>
+        <p:nvSpPr>
+          <p:cNvPr id="15" name="文本框 14">
+            <a:extLst>
+              <a:ext uri="{FF2B5EF4-FFF2-40B4-BE49-F238E27FC236}">
+                <a16:creationId xmlns:a16="http://schemas.microsoft.com/office/drawing/2014/main" id="{1BDB4654-2BB8-4104-BB74-36ED17A20EC9}"/>
+              </a:ext>
+            </a:extLst>
+          </p:cNvPr>
+          <p:cNvSpPr txBox="1"/>
+          <p:nvPr/>
+        </p:nvSpPr>
+        <p:spPr>
+          <a:xfrm>
+            <a:off x="6029556" y="7719025"/>
+            <a:ext cx="10064444" cy="984885"/>
+          </a:xfrm>
+          <a:prstGeom prst="rect">
+            <a:avLst/>
+          </a:prstGeom>
+          <a:noFill/>
+        </p:spPr>
+        <p:txBody>
+          <a:bodyPr wrap="square" rtlCol="0">
+            <a:spAutoFit/>
+          </a:bodyPr>
+          <a:lstStyle/>
+          <a:p>
+            <a:r>
+              <a:rPr lang="en-US" altLang="zh-CN" dirty="0"/>
+              <a:t>The simple structure of CPU core</a:t>
+            </a:r>
+            <a:endParaRPr lang="zh-CN" altLang="en-US" dirty="0"/>
+          </a:p>
+        </p:txBody>
+      </p:sp>
+      <p:sp>
+        <p:nvSpPr>
+          <p:cNvPr id="16" name="文本框 15">
+            <a:extLst>
+              <a:ext uri="{FF2B5EF4-FFF2-40B4-BE49-F238E27FC236}">
+                <a16:creationId xmlns:a16="http://schemas.microsoft.com/office/drawing/2014/main" id="{33D2C320-A751-4E0B-9704-32146F2FEA45}"/>
+              </a:ext>
+            </a:extLst>
+          </p:cNvPr>
+          <p:cNvSpPr txBox="1"/>
+          <p:nvPr/>
+        </p:nvSpPr>
+        <p:spPr>
+          <a:xfrm>
+            <a:off x="6029556" y="12367636"/>
+            <a:ext cx="14401600" cy="984885"/>
+          </a:xfrm>
+          <a:prstGeom prst="rect">
+            <a:avLst/>
+          </a:prstGeom>
+          <a:noFill/>
+        </p:spPr>
+        <p:txBody>
+          <a:bodyPr wrap="square" rtlCol="0">
+            <a:spAutoFit/>
+          </a:bodyPr>
+          <a:lstStyle/>
+          <a:p>
+            <a:r>
+              <a:rPr lang="en-US" altLang="zh-CN" dirty="0"/>
+              <a:t>RTL of the Verilog of CPU core</a:t>
+            </a:r>
+            <a:endParaRPr lang="zh-CN" altLang="en-US" dirty="0"/>
+          </a:p>
+        </p:txBody>
+      </p:sp>
+      <p:pic>
+        <p:nvPicPr>
+          <p:cNvPr id="18" name="图片 17" descr="手机屏幕截图&#10;&#10;描述已自动生成">
+            <a:extLst>
+              <a:ext uri="{FF2B5EF4-FFF2-40B4-BE49-F238E27FC236}">
+                <a16:creationId xmlns:a16="http://schemas.microsoft.com/office/drawing/2014/main" id="{56779033-1468-4C7E-8483-C9520F03FFE4}"/>
+              </a:ext>
+            </a:extLst>
+          </p:cNvPr>
+          <p:cNvPicPr>
+            <a:picLocks noChangeAspect="1"/>
+          </p:cNvPicPr>
+          <p:nvPr/>
+        </p:nvPicPr>
+        <p:blipFill>
+          <a:blip r:embed="rId4">
+            <a:extLst>
+              <a:ext uri="{28A0092B-C50C-407E-A947-70E740481C1C}">
+                <a14:useLocalDpi xmlns:a14="http://schemas.microsoft.com/office/drawing/2010/main" val="0"/>
+              </a:ext>
+            </a:extLst>
+          </a:blip>
+          <a:stretch>
+            <a:fillRect/>
+          </a:stretch>
+        </p:blipFill>
+        <p:spPr>
+          <a:xfrm>
+            <a:off x="1332360" y="13372910"/>
+            <a:ext cx="18326248" cy="6610642"/>
+          </a:xfrm>
+          <a:prstGeom prst="rect">
+            <a:avLst/>
+          </a:prstGeom>
+        </p:spPr>
+      </p:pic>
+      <p:sp>
+        <p:nvSpPr>
+          <p:cNvPr id="19" name="文本框 18">
+            <a:extLst>
+              <a:ext uri="{FF2B5EF4-FFF2-40B4-BE49-F238E27FC236}">
+                <a16:creationId xmlns:a16="http://schemas.microsoft.com/office/drawing/2014/main" id="{FE373510-FFEA-4ABC-98FA-6681B4938B1D}"/>
+              </a:ext>
+            </a:extLst>
+          </p:cNvPr>
+          <p:cNvSpPr txBox="1"/>
+          <p:nvPr/>
+        </p:nvSpPr>
+        <p:spPr>
+          <a:xfrm>
+            <a:off x="4716736" y="20324563"/>
+            <a:ext cx="12529392" cy="1008112"/>
+          </a:xfrm>
+          <a:prstGeom prst="rect">
+            <a:avLst/>
+          </a:prstGeom>
+          <a:noFill/>
+        </p:spPr>
+        <p:txBody>
+          <a:bodyPr wrap="square" rtlCol="0">
+            <a:spAutoFit/>
+          </a:bodyPr>
+          <a:lstStyle/>
+          <a:p>
+            <a:r>
+              <a:rPr lang="en-US" altLang="zh-CN" dirty="0"/>
+              <a:t>Block Design Diagram of Cache</a:t>
+            </a:r>
+            <a:endParaRPr lang="zh-CN" altLang="en-US" dirty="0"/>
+          </a:p>
+        </p:txBody>
+      </p:sp>
+    </p:spTree>
+    <p:extLst>
+      <p:ext uri="{BB962C8B-B14F-4D97-AF65-F5344CB8AC3E}">
+        <p14:creationId xmlns:p14="http://schemas.microsoft.com/office/powerpoint/2010/main" val="727092255"/>
+      </p:ext>
+    </p:extLst>
+  </p:cSld>
+  <p:clrMapOvr>
+    <a:masterClrMapping/>
+  </p:clrMapOvr>
+</p:sld>
+</file>
+
+<file path=ppt/slides/slide3.xml><?xml version="1.0" encoding="utf-8"?>
+<p:sld xmlns:a="http://schemas.openxmlformats.org/drawingml/2006/main" xmlns:r="http://schemas.openxmlformats.org/officeDocument/2006/relationships" xmlns:p="http://schemas.openxmlformats.org/presentationml/2006/main">
+  <p:cSld>
+    <p:spTree>
+      <p:nvGrpSpPr>
+        <p:cNvPr id="1" name=""/>
+        <p:cNvGrpSpPr/>
+        <p:nvPr/>
+      </p:nvGrpSpPr>
+      <p:grpSpPr>
+        <a:xfrm>
+          <a:off x="0" y="0"/>
+          <a:ext cx="0" cy="0"/>
+          <a:chOff x="0" y="0"/>
+          <a:chExt cx="0" cy="0"/>
+        </a:xfrm>
+      </p:grpSpPr>
+      <p:sp>
+        <p:nvSpPr>
+          <p:cNvPr id="4" name="文本框 3">
+            <a:extLst>
+              <a:ext uri="{FF2B5EF4-FFF2-40B4-BE49-F238E27FC236}">
+                <a16:creationId xmlns:a16="http://schemas.microsoft.com/office/drawing/2014/main" id="{53C68A0D-A042-41A9-99A1-33811F3F98D4}"/>
+              </a:ext>
+            </a:extLst>
+          </p:cNvPr>
+          <p:cNvSpPr txBox="1"/>
+          <p:nvPr/>
+        </p:nvSpPr>
+        <p:spPr>
+          <a:xfrm>
+            <a:off x="828304" y="810395"/>
+            <a:ext cx="18578064" cy="22406134"/>
+          </a:xfrm>
+          <a:prstGeom prst="rect">
+            <a:avLst/>
+          </a:prstGeom>
+          <a:noFill/>
+        </p:spPr>
+        <p:txBody>
+          <a:bodyPr wrap="square" rtlCol="0">
+            <a:spAutoFit/>
+          </a:bodyPr>
+          <a:lstStyle/>
+          <a:p>
+            <a:pPr marL="1143000" indent="-1143000">
+              <a:buAutoNum type="arabicPeriod"/>
+            </a:pPr>
+            <a:r>
+              <a:rPr lang="en-US" altLang="zh-CN" dirty="0"/>
+              <a:t>System On Chip</a:t>
+            </a:r>
+          </a:p>
+          <a:p>
+            <a:pPr marL="2619162" lvl="1" indent="-1143000">
+              <a:buFont typeface="+mj-lt"/>
+              <a:buAutoNum type="alphaLcPeriod"/>
+            </a:pPr>
+            <a:r>
+              <a:rPr lang="en-US" altLang="zh-CN" dirty="0"/>
+              <a:t>CPU Core</a:t>
+            </a:r>
+          </a:p>
+          <a:p>
+            <a:pPr marL="4095323" lvl="2" indent="-1143000">
+              <a:buFont typeface="+mj-lt"/>
+              <a:buAutoNum type="romanUcPeriod"/>
+            </a:pPr>
+            <a:r>
+              <a:rPr lang="en-US" altLang="zh-CN" dirty="0"/>
+              <a:t>RISC-V 32 bits instruction set architecture (ISA)</a:t>
+            </a:r>
+          </a:p>
+          <a:p>
+            <a:pPr marL="4095323" lvl="2" indent="-1143000">
+              <a:buFont typeface="+mj-lt"/>
+              <a:buAutoNum type="romanUcPeriod"/>
+            </a:pPr>
+            <a:r>
+              <a:rPr lang="en-US" altLang="zh-CN" dirty="0"/>
+              <a:t>RISC-V 32 bits extension (RV32IM)</a:t>
+            </a:r>
+          </a:p>
+          <a:p>
+            <a:pPr marL="4095323" lvl="2" indent="-1143000">
+              <a:buFont typeface="+mj-lt"/>
+              <a:buAutoNum type="romanUcPeriod"/>
+            </a:pPr>
+            <a:r>
+              <a:rPr lang="en-US" altLang="zh-CN" dirty="0"/>
+              <a:t>5 stages pipeline structure</a:t>
+            </a:r>
+          </a:p>
+          <a:p>
+            <a:pPr marL="4095323" lvl="2" indent="-1143000">
+              <a:buFont typeface="+mj-lt"/>
+              <a:buAutoNum type="romanUcPeriod"/>
+            </a:pPr>
+            <a:r>
+              <a:rPr lang="en-US" altLang="zh-CN" dirty="0"/>
+              <a:t>Static branch prediction</a:t>
+            </a:r>
+          </a:p>
+          <a:p>
+            <a:pPr marL="4095323" lvl="2" indent="-1143000">
+              <a:buFont typeface="+mj-lt"/>
+              <a:buAutoNum type="romanUcPeriod"/>
+            </a:pPr>
+            <a:r>
+              <a:rPr lang="en-US" altLang="zh-CN" dirty="0"/>
+              <a:t>Cache system (two way associativity and LRU (Least recently used policy))</a:t>
+            </a:r>
+          </a:p>
+          <a:p>
+            <a:pPr marL="4095323" lvl="2" indent="-1143000">
+              <a:buFont typeface="+mj-lt"/>
+              <a:buAutoNum type="romanUcPeriod"/>
+            </a:pPr>
+            <a:r>
+              <a:rPr lang="en-US" altLang="zh-CN" dirty="0"/>
+              <a:t>Asynchronous FIFO between cache system and CPU</a:t>
+            </a:r>
+          </a:p>
+          <a:p>
+            <a:pPr marL="4095323" lvl="2" indent="-1143000">
+              <a:buFont typeface="+mj-lt"/>
+              <a:buAutoNum type="romanUcPeriod"/>
+            </a:pPr>
+            <a:r>
+              <a:rPr lang="en-US" altLang="zh-CN" dirty="0"/>
+              <a:t>Interruption Controller (not complete)</a:t>
+            </a:r>
+          </a:p>
+          <a:p>
+            <a:pPr marL="4095323" lvl="2" indent="-1143000">
+              <a:buFont typeface="+mj-lt"/>
+              <a:buAutoNum type="romanUcPeriod"/>
+            </a:pPr>
+            <a:r>
+              <a:rPr lang="en-US" altLang="zh-CN" dirty="0"/>
+              <a:t>Reorder buffer and Out of order execution (not complete)</a:t>
+            </a:r>
+          </a:p>
+          <a:p>
+            <a:pPr marL="4095323" lvl="2" indent="-1143000">
+              <a:buFont typeface="+mj-lt"/>
+              <a:buAutoNum type="romanUcPeriod"/>
+            </a:pPr>
+            <a:r>
+              <a:rPr lang="en-US" altLang="zh-CN" dirty="0"/>
+              <a:t>Superscalar processor (not complete)</a:t>
+            </a:r>
+          </a:p>
+          <a:p>
+            <a:pPr marL="2619162" lvl="1" indent="-1143000">
+              <a:buFont typeface="+mj-lt"/>
+              <a:buAutoNum type="alphaLcPeriod"/>
+            </a:pPr>
+            <a:r>
+              <a:rPr lang="en-US" altLang="zh-CN" dirty="0"/>
+              <a:t>Hardware support</a:t>
+            </a:r>
+          </a:p>
+          <a:p>
+            <a:pPr marL="4095323" lvl="2" indent="-1143000">
+              <a:buFont typeface="+mj-lt"/>
+              <a:buAutoNum type="romanUcPeriod"/>
+            </a:pPr>
+            <a:r>
+              <a:rPr lang="en-US" altLang="zh-CN" dirty="0"/>
+              <a:t>Management Unit of DDR2 SDRAM on FPGA (Xilinx Memory Interface Generator)</a:t>
+            </a:r>
+          </a:p>
+          <a:p>
+            <a:pPr marL="4095323" lvl="2" indent="-1143000">
+              <a:buFont typeface="+mj-lt"/>
+              <a:buAutoNum type="romanUcPeriod"/>
+            </a:pPr>
+            <a:r>
+              <a:rPr lang="en-US" altLang="zh-CN" dirty="0"/>
+              <a:t>Communication between cache system and memory (Two AXI4 masters and one slave with Xilinx IP core AXI interconnect)</a:t>
+            </a:r>
+          </a:p>
+          <a:p>
+            <a:pPr marL="4095323" lvl="2" indent="-1143000">
+              <a:buFont typeface="+mj-lt"/>
+              <a:buAutoNum type="romanUcPeriod"/>
+            </a:pPr>
+            <a:r>
+              <a:rPr lang="en-US" altLang="zh-CN" dirty="0"/>
+              <a:t>GPIO to AXI4 (not complete)</a:t>
+            </a:r>
+          </a:p>
+          <a:p>
+            <a:pPr marL="4095323" lvl="2" indent="-1143000">
+              <a:buFont typeface="+mj-lt"/>
+              <a:buAutoNum type="romanUcPeriod"/>
+            </a:pPr>
+            <a:r>
+              <a:rPr lang="en-US" altLang="zh-CN" dirty="0"/>
+              <a:t>Ethernet Driver to AXI4 (not complete)</a:t>
+            </a:r>
+          </a:p>
+          <a:p>
+            <a:pPr marL="4095323" lvl="2" indent="-1143000">
+              <a:buFont typeface="+mj-lt"/>
+              <a:buAutoNum type="romanUcPeriod"/>
+            </a:pPr>
+            <a:r>
+              <a:rPr lang="en-US" altLang="zh-CN" dirty="0"/>
+              <a:t>USB Driver to AXI4 (not complete)</a:t>
+            </a:r>
+          </a:p>
+          <a:p>
+            <a:pPr marL="4095323" lvl="2" indent="-1143000">
+              <a:buFont typeface="+mj-lt"/>
+              <a:buAutoNum type="romanUcPeriod"/>
+            </a:pPr>
+            <a:endParaRPr lang="en-US" altLang="zh-CN" dirty="0"/>
+          </a:p>
+          <a:p>
+            <a:pPr marL="2619162" lvl="1" indent="-1143000">
+              <a:buAutoNum type="alphaLcPeriod"/>
+            </a:pPr>
+            <a:endParaRPr lang="en-US" altLang="zh-CN" dirty="0"/>
+          </a:p>
+        </p:txBody>
+      </p:sp>
+    </p:spTree>
+    <p:extLst>
+      <p:ext uri="{BB962C8B-B14F-4D97-AF65-F5344CB8AC3E}">
+        <p14:creationId xmlns:p14="http://schemas.microsoft.com/office/powerpoint/2010/main" val="3691885968"/>
+      </p:ext>
+    </p:extLst>
+  </p:cSld>
+  <p:clrMapOvr>
+    <a:masterClrMapping/>
+  </p:clrMapOvr>
+</p:sld>
+</file>
+
 <file path=ppt/theme/theme1.xml><?xml version="1.0" encoding="utf-8"?>
 <a:theme xmlns:a="http://schemas.openxmlformats.org/drawingml/2006/main" name="Office Theme">
   <a:themeElements>

--- a/A1template.pptx
+++ b/A1template.pptx
@@ -4257,12 +4257,48 @@
           </a:p>
         </p:txBody>
       </p:sp>
+      <p:sp>
+        <p:nvSpPr>
+          <p:cNvPr id="19" name="文本框 18">
+            <a:extLst>
+              <a:ext uri="{FF2B5EF4-FFF2-40B4-BE49-F238E27FC236}">
+                <a16:creationId xmlns:a16="http://schemas.microsoft.com/office/drawing/2014/main" id="{FE373510-FFEA-4ABC-98FA-6681B4938B1D}"/>
+              </a:ext>
+            </a:extLst>
+          </p:cNvPr>
+          <p:cNvSpPr txBox="1"/>
+          <p:nvPr/>
+        </p:nvSpPr>
+        <p:spPr>
+          <a:xfrm>
+            <a:off x="4797082" y="21134618"/>
+            <a:ext cx="12529392" cy="1008112"/>
+          </a:xfrm>
+          <a:prstGeom prst="rect">
+            <a:avLst/>
+          </a:prstGeom>
+          <a:noFill/>
+        </p:spPr>
+        <p:txBody>
+          <a:bodyPr wrap="square" rtlCol="0">
+            <a:spAutoFit/>
+          </a:bodyPr>
+          <a:lstStyle/>
+          <a:p>
+            <a:r>
+              <a:rPr lang="en-US" altLang="zh-CN" dirty="0"/>
+              <a:t>Block Design Diagram of Cache</a:t>
+            </a:r>
+            <a:endParaRPr lang="zh-CN" altLang="en-US" dirty="0"/>
+          </a:p>
+        </p:txBody>
+      </p:sp>
       <p:pic>
         <p:nvPicPr>
-          <p:cNvPr id="18" name="图片 17" descr="手机屏幕截图&#10;&#10;描述已自动生成">
+          <p:cNvPr id="3" name="图片 2" descr="图片包含 游戏机&#10;&#10;描述已自动生成">
             <a:extLst>
               <a:ext uri="{FF2B5EF4-FFF2-40B4-BE49-F238E27FC236}">
-                <a16:creationId xmlns:a16="http://schemas.microsoft.com/office/drawing/2014/main" id="{56779033-1468-4C7E-8483-C9520F03FFE4}"/>
+                <a16:creationId xmlns:a16="http://schemas.microsoft.com/office/drawing/2014/main" id="{FA91CFD7-5833-4D70-81A2-A469455D198F}"/>
               </a:ext>
             </a:extLst>
           </p:cNvPr>
@@ -4285,50 +4321,14 @@
         </p:blipFill>
         <p:spPr>
           <a:xfrm>
-            <a:off x="1332360" y="13372910"/>
-            <a:ext cx="18326248" cy="6610642"/>
+            <a:off x="0" y="13336642"/>
+            <a:ext cx="21386800" cy="7600914"/>
           </a:xfrm>
           <a:prstGeom prst="rect">
             <a:avLst/>
           </a:prstGeom>
         </p:spPr>
       </p:pic>
-      <p:sp>
-        <p:nvSpPr>
-          <p:cNvPr id="19" name="文本框 18">
-            <a:extLst>
-              <a:ext uri="{FF2B5EF4-FFF2-40B4-BE49-F238E27FC236}">
-                <a16:creationId xmlns:a16="http://schemas.microsoft.com/office/drawing/2014/main" id="{FE373510-FFEA-4ABC-98FA-6681B4938B1D}"/>
-              </a:ext>
-            </a:extLst>
-          </p:cNvPr>
-          <p:cNvSpPr txBox="1"/>
-          <p:nvPr/>
-        </p:nvSpPr>
-        <p:spPr>
-          <a:xfrm>
-            <a:off x="4716736" y="20324563"/>
-            <a:ext cx="12529392" cy="1008112"/>
-          </a:xfrm>
-          <a:prstGeom prst="rect">
-            <a:avLst/>
-          </a:prstGeom>
-          <a:noFill/>
-        </p:spPr>
-        <p:txBody>
-          <a:bodyPr wrap="square" rtlCol="0">
-            <a:spAutoFit/>
-          </a:bodyPr>
-          <a:lstStyle/>
-          <a:p>
-            <a:r>
-              <a:rPr lang="en-US" altLang="zh-CN" dirty="0"/>
-              <a:t>Block Design Diagram of Cache</a:t>
-            </a:r>
-            <a:endParaRPr lang="zh-CN" altLang="en-US" dirty="0"/>
-          </a:p>
-        </p:txBody>
-      </p:sp>
     </p:spTree>
     <p:extLst>
       <p:ext uri="{BB962C8B-B14F-4D97-AF65-F5344CB8AC3E}">

--- a/A1template.pptx
+++ b/A1template.pptx
@@ -307,7 +307,7 @@
             <a:fld id="{04C9D829-294C-4884-861A-6C5EA952172F}" type="datetimeFigureOut">
               <a:rPr lang="en-GB" smtClean="0"/>
               <a:pPr/>
-              <a:t>03/03/2020</a:t>
+              <a:t>04/03/2020</a:t>
             </a:fld>
             <a:endParaRPr lang="en-GB"/>
           </a:p>
@@ -474,7 +474,7 @@
             <a:fld id="{04C9D829-294C-4884-861A-6C5EA952172F}" type="datetimeFigureOut">
               <a:rPr lang="en-GB" smtClean="0"/>
               <a:pPr/>
-              <a:t>03/03/2020</a:t>
+              <a:t>04/03/2020</a:t>
             </a:fld>
             <a:endParaRPr lang="en-GB"/>
           </a:p>
@@ -651,7 +651,7 @@
             <a:fld id="{04C9D829-294C-4884-861A-6C5EA952172F}" type="datetimeFigureOut">
               <a:rPr lang="en-GB" smtClean="0"/>
               <a:pPr/>
-              <a:t>03/03/2020</a:t>
+              <a:t>04/03/2020</a:t>
             </a:fld>
             <a:endParaRPr lang="en-GB"/>
           </a:p>
@@ -818,7 +818,7 @@
             <a:fld id="{04C9D829-294C-4884-861A-6C5EA952172F}" type="datetimeFigureOut">
               <a:rPr lang="en-GB" smtClean="0"/>
               <a:pPr/>
-              <a:t>03/03/2020</a:t>
+              <a:t>04/03/2020</a:t>
             </a:fld>
             <a:endParaRPr lang="en-GB"/>
           </a:p>
@@ -1061,7 +1061,7 @@
             <a:fld id="{04C9D829-294C-4884-861A-6C5EA952172F}" type="datetimeFigureOut">
               <a:rPr lang="en-GB" smtClean="0"/>
               <a:pPr/>
-              <a:t>03/03/2020</a:t>
+              <a:t>04/03/2020</a:t>
             </a:fld>
             <a:endParaRPr lang="en-GB"/>
           </a:p>
@@ -1346,7 +1346,7 @@
             <a:fld id="{04C9D829-294C-4884-861A-6C5EA952172F}" type="datetimeFigureOut">
               <a:rPr lang="en-GB" smtClean="0"/>
               <a:pPr/>
-              <a:t>03/03/2020</a:t>
+              <a:t>04/03/2020</a:t>
             </a:fld>
             <a:endParaRPr lang="en-GB"/>
           </a:p>
@@ -1770,7 +1770,7 @@
             <a:fld id="{04C9D829-294C-4884-861A-6C5EA952172F}" type="datetimeFigureOut">
               <a:rPr lang="en-GB" smtClean="0"/>
               <a:pPr/>
-              <a:t>03/03/2020</a:t>
+              <a:t>04/03/2020</a:t>
             </a:fld>
             <a:endParaRPr lang="en-GB"/>
           </a:p>
@@ -1885,7 +1885,7 @@
             <a:fld id="{04C9D829-294C-4884-861A-6C5EA952172F}" type="datetimeFigureOut">
               <a:rPr lang="en-GB" smtClean="0"/>
               <a:pPr/>
-              <a:t>03/03/2020</a:t>
+              <a:t>04/03/2020</a:t>
             </a:fld>
             <a:endParaRPr lang="en-GB"/>
           </a:p>
@@ -1977,7 +1977,7 @@
             <a:fld id="{04C9D829-294C-4884-861A-6C5EA952172F}" type="datetimeFigureOut">
               <a:rPr lang="en-GB" smtClean="0"/>
               <a:pPr/>
-              <a:t>03/03/2020</a:t>
+              <a:t>04/03/2020</a:t>
             </a:fld>
             <a:endParaRPr lang="en-GB"/>
           </a:p>
@@ -2251,7 +2251,7 @@
             <a:fld id="{04C9D829-294C-4884-861A-6C5EA952172F}" type="datetimeFigureOut">
               <a:rPr lang="en-GB" smtClean="0"/>
               <a:pPr/>
-              <a:t>03/03/2020</a:t>
+              <a:t>04/03/2020</a:t>
             </a:fld>
             <a:endParaRPr lang="en-GB"/>
           </a:p>
@@ -2501,7 +2501,7 @@
             <a:fld id="{04C9D829-294C-4884-861A-6C5EA952172F}" type="datetimeFigureOut">
               <a:rPr lang="en-GB" smtClean="0"/>
               <a:pPr/>
-              <a:t>03/03/2020</a:t>
+              <a:t>04/03/2020</a:t>
             </a:fld>
             <a:endParaRPr lang="en-GB"/>
           </a:p>
@@ -2711,7 +2711,7 @@
             <a:fld id="{04C9D829-294C-4884-861A-6C5EA952172F}" type="datetimeFigureOut">
               <a:rPr lang="en-GB" smtClean="0"/>
               <a:pPr/>
-              <a:t>03/03/2020</a:t>
+              <a:t>04/03/2020</a:t>
             </a:fld>
             <a:endParaRPr lang="en-GB"/>
           </a:p>
@@ -4295,10 +4295,10 @@
       </p:sp>
       <p:pic>
         <p:nvPicPr>
-          <p:cNvPr id="3" name="图片 2" descr="图片包含 游戏机&#10;&#10;描述已自动生成">
+          <p:cNvPr id="2" name="图片 1">
             <a:extLst>
               <a:ext uri="{FF2B5EF4-FFF2-40B4-BE49-F238E27FC236}">
-                <a16:creationId xmlns:a16="http://schemas.microsoft.com/office/drawing/2014/main" id="{FA91CFD7-5833-4D70-81A2-A469455D198F}"/>
+                <a16:creationId xmlns:a16="http://schemas.microsoft.com/office/drawing/2014/main" id="{4CFC6F6B-FBAF-4789-A07B-3A1A7D9FE43A}"/>
               </a:ext>
             </a:extLst>
           </p:cNvPr>
@@ -4308,21 +4308,15 @@
           <p:nvPr/>
         </p:nvPicPr>
         <p:blipFill>
-          <a:blip r:embed="rId4">
-            <a:extLst>
-              <a:ext uri="{28A0092B-C50C-407E-A947-70E740481C1C}">
-                <a14:useLocalDpi xmlns:a14="http://schemas.microsoft.com/office/drawing/2010/main" val="0"/>
-              </a:ext>
-            </a:extLst>
-          </a:blip>
+          <a:blip r:embed="rId4"/>
           <a:stretch>
             <a:fillRect/>
           </a:stretch>
         </p:blipFill>
         <p:spPr>
           <a:xfrm>
-            <a:off x="0" y="13336642"/>
-            <a:ext cx="21386800" cy="7600914"/>
+            <a:off x="0" y="13609840"/>
+            <a:ext cx="21386800" cy="7622075"/>
           </a:xfrm>
           <a:prstGeom prst="rect">
             <a:avLst/>

--- a/A1template.pptx
+++ b/A1template.pptx
@@ -3068,7 +3068,7 @@
   <p:cSld>
     <p:bg>
       <p:bgPr>
-        <a:gradFill>
+        <a:gradFill flip="none" rotWithShape="1">
           <a:gsLst>
             <a:gs pos="0">
               <a:schemeClr val="accent1">
@@ -3076,13 +3076,7 @@
                 <a:lumOff val="95000"/>
               </a:schemeClr>
             </a:gs>
-            <a:gs pos="74000">
-              <a:schemeClr val="accent1">
-                <a:lumMod val="45000"/>
-                <a:lumOff val="55000"/>
-              </a:schemeClr>
-            </a:gs>
-            <a:gs pos="83000">
+            <a:gs pos="100000">
               <a:schemeClr val="accent1">
                 <a:lumMod val="45000"/>
                 <a:lumOff val="55000"/>
@@ -3096,6 +3090,7 @@
             </a:gs>
           </a:gsLst>
           <a:lin ang="5400000" scaled="1"/>
+          <a:tileRect/>
         </a:gradFill>
         <a:effectLst/>
       </p:bgPr>
@@ -3130,7 +3125,7 @@
         </p:blipFill>
         <p:spPr>
           <a:xfrm>
-            <a:off x="7813080" y="1026419"/>
+            <a:off x="7761912" y="-122466"/>
             <a:ext cx="5328592" cy="1872208"/>
           </a:xfrm>
           <a:prstGeom prst="rect">
@@ -3152,7 +3147,7 @@
         </p:nvSpPr>
         <p:spPr>
           <a:xfrm>
-            <a:off x="396256" y="2610595"/>
+            <a:off x="396256" y="1286356"/>
             <a:ext cx="20594288" cy="1785104"/>
           </a:xfrm>
           <a:prstGeom prst="rect">
@@ -3243,8 +3238,8 @@
         </p:nvSpPr>
         <p:spPr>
           <a:xfrm>
-            <a:off x="396256" y="4698827"/>
-            <a:ext cx="7128792" cy="25268456"/>
+            <a:off x="396256" y="3091961"/>
+            <a:ext cx="7128792" cy="26992005"/>
           </a:xfrm>
           <a:prstGeom prst="rect">
             <a:avLst/>
@@ -3271,27 +3266,46 @@
           <a:p>
             <a:r>
               <a:rPr kumimoji="1" lang="en-US" altLang="zh-CN" sz="2800" dirty="0"/>
-              <a:t>This operating system is designed for running on single core CPU and does not support </a:t>
-            </a:r>
-            <a:r>
-              <a:rPr kumimoji="1" lang="en-US" altLang="zh-CN" sz="2800" dirty="0" err="1"/>
-              <a:t>multiprocess</a:t>
-            </a:r>
+              <a:t>This operating system is designed for running on single core CPU. It can finish many functions, such as printing message, pause, read/write, message transfer and searching. </a:t>
+            </a:r>
+          </a:p>
+          <a:p>
+            <a:r>
+              <a:rPr kumimoji="1" lang="en-US" altLang="zh-CN" sz="3600" b="1" dirty="0"/>
+              <a:t>1.    Organization</a:t>
+            </a:r>
+          </a:p>
+          <a:p>
+            <a:pPr marL="571500" indent="-571500">
+              <a:buAutoNum type="romanLcParenR"/>
+            </a:pPr>
             <a:r>
               <a:rPr kumimoji="1" lang="en-US" altLang="zh-CN" sz="2800" dirty="0"/>
-              <a:t>. Although limited by its performance, it can still finish many functions, such as printing message, pause, read/write, message transfer and searching. The following sections will explain how to achieve these.</a:t>
-            </a:r>
-          </a:p>
-          <a:p>
-            <a:endParaRPr kumimoji="1" lang="en-US" altLang="zh-CN" sz="2800" b="1" dirty="0"/>
-          </a:p>
-          <a:p>
-            <a:pPr marL="742950" indent="-742950">
-              <a:buAutoNum type="arabicPeriod"/>
-            </a:pPr>
+              <a:t>User mode and kernel mode.</a:t>
+            </a:r>
+          </a:p>
+          <a:p>
+            <a:pPr marL="571500" indent="-571500">
+              <a:buAutoNum type="romanLcParenR"/>
+            </a:pPr>
+            <a:r>
+              <a:rPr kumimoji="1" lang="en-US" altLang="zh-CN" sz="2800" dirty="0"/>
+              <a:t>Abstract physical resources by system call.</a:t>
+            </a:r>
+          </a:p>
+          <a:p>
+            <a:pPr marL="571500" indent="-571500">
+              <a:buAutoNum type="romanLcParenR"/>
+            </a:pPr>
+            <a:r>
+              <a:rPr kumimoji="1" lang="en-US" altLang="zh-CN" sz="2800" dirty="0"/>
+              <a:t>Starting process includes running bootloader, loading the kernel into 0x80000000, creating a stack (4.96 bytes), initializing several devices.</a:t>
+            </a:r>
+          </a:p>
+          <a:p>
             <a:r>
               <a:rPr kumimoji="1" lang="en-US" altLang="zh-CN" sz="3600" b="1" dirty="0"/>
-              <a:t>Interfaces</a:t>
+              <a:t>2.    Interfaces</a:t>
             </a:r>
           </a:p>
           <a:p>
@@ -3308,17 +3322,10 @@
               <a:t>pid</a:t>
             </a:r>
             <a:r>
-              <a:rPr kumimoji="1" lang="en-US" altLang="zh-CN" sz="2800" dirty="0"/>
-              <a:t>: For most of time, process ID is 1. When a parent process create a child process, whose </a:t>
-            </a:r>
-            <a:r>
-              <a:rPr kumimoji="1" lang="en-US" altLang="zh-CN" sz="2800" i="1" dirty="0" err="1"/>
-              <a:t>pid</a:t>
-            </a:r>
-            <a:r>
-              <a:rPr kumimoji="1" lang="en-US" altLang="zh-CN" sz="2800" dirty="0"/>
-              <a:t> is 2. </a:t>
-            </a:r>
+              <a:rPr kumimoji="1" lang="en-US" altLang="zh-CN" sz="2800" i="1" dirty="0"/>
+              <a:t>. </a:t>
+            </a:r>
+            <a:endParaRPr kumimoji="1" lang="en-US" altLang="zh-CN" sz="2800" dirty="0"/>
           </a:p>
           <a:p>
             <a:pPr marL="571500" indent="-571500">
@@ -3334,12 +3341,8 @@
               <a:t>fd</a:t>
             </a:r>
             <a:r>
-              <a:rPr kumimoji="1" lang="en-US" altLang="zh-CN" sz="2800" dirty="0"/>
-              <a:t>: File descriptors is </a:t>
-            </a:r>
-            <a:r>
-              <a:rPr lang="en" altLang="zh-CN" sz="2800" dirty="0"/>
-              <a:t>a small integer representing a kernel-managed object that a process may read from or write to. </a:t>
+              <a:rPr kumimoji="1" lang="en-US" altLang="zh-CN" sz="2800" i="1" dirty="0"/>
+              <a:t>.</a:t>
             </a:r>
           </a:p>
           <a:p>
@@ -3349,52 +3352,8 @@
             </a:pPr>
             <a:r>
               <a:rPr kumimoji="1" lang="en" altLang="zh-CN" sz="2800" dirty="0"/>
-              <a:t>Pipes: message transfer between parent process and child process.</a:t>
-            </a:r>
-            <a:endParaRPr kumimoji="1" lang="en-US" altLang="zh-CN" sz="2800" dirty="0"/>
-          </a:p>
-          <a:p>
-            <a:pPr marL="742950" indent="-742950">
-              <a:buAutoNum type="arabicPeriod" startAt="2"/>
-            </a:pPr>
-            <a:r>
-              <a:rPr kumimoji="1" lang="en-US" altLang="zh-CN" sz="3600" b="1" dirty="0"/>
-              <a:t>Organization</a:t>
-            </a:r>
-          </a:p>
-          <a:p>
-            <a:r>
-              <a:rPr kumimoji="1" lang="en-US" altLang="zh-CN" sz="2800" dirty="0"/>
-              <a:t>User mode, kernel mode and system calls: instructions in kernel mode have full</a:t>
-            </a:r>
-            <a:r>
-              <a:rPr kumimoji="1" lang="zh-CN" altLang="en-US" sz="2800" dirty="0"/>
-              <a:t> </a:t>
-            </a:r>
-            <a:r>
-              <a:rPr kumimoji="1" lang="en-US" altLang="zh-CN" sz="2800" dirty="0"/>
-              <a:t>privilege, such as enabling and disabling interrupts, reading and writing registers. In user mode, it can only execute some functions, such as adding number. System calls are switches from user mode to kernel mode.</a:t>
-            </a:r>
-          </a:p>
-          <a:p>
-            <a:endParaRPr kumimoji="1" lang="en-US" altLang="zh-CN" sz="2800" dirty="0"/>
-          </a:p>
-          <a:p>
-            <a:endParaRPr kumimoji="1" lang="en-US" altLang="zh-CN" sz="2800" dirty="0"/>
-          </a:p>
-          <a:p>
-            <a:endParaRPr kumimoji="1" lang="en-US" altLang="zh-CN" sz="2800" dirty="0"/>
-          </a:p>
-          <a:p>
-            <a:endParaRPr kumimoji="1" lang="en-US" altLang="zh-CN" sz="2800" dirty="0"/>
-          </a:p>
-          <a:p>
-            <a:endParaRPr kumimoji="1" lang="en-US" altLang="zh-CN" sz="2800" dirty="0"/>
-          </a:p>
-          <a:p>
-            <a:pPr marL="571500" indent="-571500">
-              <a:buAutoNum type="romanLcParenR"/>
-            </a:pPr>
+              <a:t>Pipes, message transfer.</a:t>
+            </a:r>
             <a:endParaRPr kumimoji="1" lang="en-US" altLang="zh-CN" sz="2800" dirty="0"/>
           </a:p>
           <a:p>
@@ -3404,57 +3363,123 @@
             </a:r>
           </a:p>
           <a:p>
+            <a:pPr marL="571500" indent="-571500">
+              <a:buAutoNum type="romanLcParenR"/>
+            </a:pPr>
             <a:r>
               <a:rPr kumimoji="1" lang="en-US" altLang="zh-CN" sz="2800" dirty="0"/>
-              <a:t>It is used to give each process its own address space. The RISC-V page table translates a virtual address to physical address. </a:t>
-            </a:r>
-          </a:p>
-          <a:p>
+              <a:t>Sv39 RISC-V, which has 39-bits virtual addresses (27-bits for PTE and 12-bits for offset).</a:t>
+            </a:r>
+          </a:p>
+          <a:p>
+            <a:pPr marL="571500" indent="-571500">
+              <a:buAutoNum type="romanLcParenR"/>
+            </a:pPr>
             <a:endParaRPr kumimoji="1" lang="en-US" altLang="zh-CN" sz="2800" dirty="0"/>
           </a:p>
           <a:p>
+            <a:pPr marL="571500" indent="-571500">
+              <a:buAutoNum type="romanLcParenR"/>
+            </a:pPr>
             <a:endParaRPr kumimoji="1" lang="en-US" altLang="zh-CN" sz="2800" dirty="0"/>
           </a:p>
           <a:p>
+            <a:pPr marL="571500" indent="-571500">
+              <a:buAutoNum type="romanLcParenR"/>
+            </a:pPr>
             <a:endParaRPr kumimoji="1" lang="en-US" altLang="zh-CN" sz="2800" dirty="0"/>
           </a:p>
           <a:p>
+            <a:pPr marL="571500" indent="-571500">
+              <a:buAutoNum type="romanLcParenR"/>
+            </a:pPr>
             <a:endParaRPr kumimoji="1" lang="en-US" altLang="zh-CN" sz="2800" dirty="0"/>
           </a:p>
           <a:p>
+            <a:pPr marL="571500" indent="-571500">
+              <a:buAutoNum type="romanLcParenR"/>
+            </a:pPr>
             <a:endParaRPr kumimoji="1" lang="en-US" altLang="zh-CN" sz="2800" dirty="0"/>
           </a:p>
           <a:p>
+            <a:pPr marL="571500" indent="-571500">
+              <a:buAutoNum type="romanLcParenR"/>
+            </a:pPr>
             <a:endParaRPr kumimoji="1" lang="en-US" altLang="zh-CN" sz="2800" dirty="0"/>
           </a:p>
           <a:p>
+            <a:pPr marL="571500" indent="-571500">
+              <a:buAutoNum type="romanLcParenR"/>
+            </a:pPr>
             <a:endParaRPr kumimoji="1" lang="en-US" altLang="zh-CN" sz="2800" dirty="0"/>
           </a:p>
           <a:p>
+            <a:pPr marL="571500" indent="-571500">
+              <a:buAutoNum type="romanLcParenR"/>
+            </a:pPr>
             <a:endParaRPr kumimoji="1" lang="en-US" altLang="zh-CN" sz="2800" dirty="0"/>
           </a:p>
           <a:p>
+            <a:pPr marL="571500" indent="-571500">
+              <a:buAutoNum type="romanLcParenR"/>
+            </a:pPr>
             <a:endParaRPr kumimoji="1" lang="en-US" altLang="zh-CN" sz="2800" dirty="0"/>
           </a:p>
           <a:p>
+            <a:pPr marL="571500" indent="-571500">
+              <a:buAutoNum type="romanLcParenR"/>
+            </a:pPr>
             <a:endParaRPr kumimoji="1" lang="en-US" altLang="zh-CN" sz="2800" dirty="0"/>
           </a:p>
           <a:p>
+            <a:pPr marL="571500" indent="-571500">
+              <a:buAutoNum type="romanLcParenR"/>
+            </a:pPr>
             <a:endParaRPr kumimoji="1" lang="en-US" altLang="zh-CN" sz="2800" dirty="0"/>
           </a:p>
           <a:p>
+            <a:pPr marL="571500" indent="-571500">
+              <a:buAutoNum type="romanLcParenR"/>
+            </a:pPr>
             <a:endParaRPr kumimoji="1" lang="en-US" altLang="zh-CN" sz="2800" dirty="0"/>
           </a:p>
           <a:p>
+            <a:pPr marL="571500" indent="-571500">
+              <a:buAutoNum type="romanLcParenR"/>
+            </a:pPr>
             <a:endParaRPr kumimoji="1" lang="en-US" altLang="zh-CN" sz="2800" dirty="0"/>
           </a:p>
           <a:p>
             <a:endParaRPr kumimoji="1" lang="en-US" altLang="zh-CN" sz="2800" dirty="0"/>
           </a:p>
           <a:p>
+            <a:pPr marL="571500" indent="-571500">
+              <a:buAutoNum type="romanLcParenR"/>
+            </a:pPr>
+            <a:r>
+              <a:rPr kumimoji="1" lang="en-US" altLang="zh-CN" sz="2800" dirty="0"/>
+              <a:t>Kernel address space (most are directed-mapped, except trampoline page and kernel stack page).</a:t>
+            </a:r>
+          </a:p>
+          <a:p>
+            <a:pPr marL="571500" indent="-571500">
+              <a:buAutoNum type="romanLcParenR"/>
+            </a:pPr>
+            <a:r>
+              <a:rPr kumimoji="1" lang="en-US" altLang="zh-CN" sz="2800" dirty="0"/>
+              <a:t>Physical memory allocation: buddy allocation and lazy allocation</a:t>
+            </a:r>
+          </a:p>
+          <a:p>
+            <a:pPr marL="571500" indent="-571500">
+              <a:buAutoNum type="romanLcParenR"/>
+            </a:pPr>
             <a:endParaRPr kumimoji="1" lang="en-US" altLang="zh-CN" sz="2800" dirty="0"/>
           </a:p>
           <a:p>
+            <a:pPr marL="571500" indent="-571500">
+              <a:buAutoNum type="romanLcParenR"/>
+            </a:pPr>
             <a:endParaRPr kumimoji="1" lang="en-US" altLang="zh-CN" sz="2800" dirty="0"/>
           </a:p>
           <a:p>
@@ -3469,44 +3494,56 @@
           <a:p>
             <a:endParaRPr kumimoji="1" lang="en-US" altLang="zh-CN" sz="2800" dirty="0"/>
           </a:p>
-        </p:txBody>
-      </p:sp>
-      <p:pic>
-        <p:nvPicPr>
-          <p:cNvPr id="8" name="图片 7">
-            <a:extLst>
-              <a:ext uri="{FF2B5EF4-FFF2-40B4-BE49-F238E27FC236}">
-                <a16:creationId xmlns:a16="http://schemas.microsoft.com/office/drawing/2014/main" id="{DA73B7D5-651C-0A42-94C9-CE83D1AD4879}"/>
-              </a:ext>
-            </a:extLst>
-          </p:cNvPr>
-          <p:cNvPicPr>
-            <a:picLocks noChangeAspect="1"/>
-          </p:cNvPicPr>
-          <p:nvPr/>
-        </p:nvPicPr>
-        <p:blipFill>
-          <a:blip r:embed="rId3">
-            <a:extLst>
-              <a:ext uri="{28A0092B-C50C-407E-A947-70E740481C1C}">
-                <a14:useLocalDpi xmlns:a14="http://schemas.microsoft.com/office/drawing/2010/main" val="0"/>
-              </a:ext>
-            </a:extLst>
-          </a:blip>
-          <a:stretch>
-            <a:fillRect/>
-          </a:stretch>
-        </p:blipFill>
-        <p:spPr>
-          <a:xfrm>
-            <a:off x="671352" y="16843437"/>
-            <a:ext cx="6578600" cy="2641600"/>
-          </a:xfrm>
-          <a:prstGeom prst="rect">
-            <a:avLst/>
-          </a:prstGeom>
-        </p:spPr>
-      </p:pic>
+          <a:p>
+            <a:endParaRPr kumimoji="1" lang="en-US" altLang="zh-CN" sz="2800" dirty="0"/>
+          </a:p>
+          <a:p>
+            <a:endParaRPr kumimoji="1" lang="en-US" altLang="zh-CN" sz="2800" dirty="0"/>
+          </a:p>
+          <a:p>
+            <a:endParaRPr kumimoji="1" lang="en-US" altLang="zh-CN" sz="2800" dirty="0"/>
+          </a:p>
+          <a:p>
+            <a:endParaRPr kumimoji="1" lang="en-US" altLang="zh-CN" sz="2800" dirty="0"/>
+          </a:p>
+          <a:p>
+            <a:endParaRPr kumimoji="1" lang="en-US" altLang="zh-CN" sz="2800" dirty="0"/>
+          </a:p>
+          <a:p>
+            <a:endParaRPr kumimoji="1" lang="en-US" altLang="zh-CN" sz="2800" dirty="0"/>
+          </a:p>
+          <a:p>
+            <a:endParaRPr kumimoji="1" lang="en-US" altLang="zh-CN" sz="2800" dirty="0"/>
+          </a:p>
+          <a:p>
+            <a:endParaRPr kumimoji="1" lang="en-US" altLang="zh-CN" sz="2800" dirty="0"/>
+          </a:p>
+          <a:p>
+            <a:endParaRPr kumimoji="1" lang="en-US" altLang="zh-CN" sz="2800" dirty="0"/>
+          </a:p>
+          <a:p>
+            <a:endParaRPr kumimoji="1" lang="en-US" altLang="zh-CN" sz="2800" dirty="0"/>
+          </a:p>
+          <a:p>
+            <a:endParaRPr kumimoji="1" lang="en-US" altLang="zh-CN" sz="2800" dirty="0"/>
+          </a:p>
+          <a:p>
+            <a:endParaRPr kumimoji="1" lang="en-US" altLang="zh-CN" sz="2800" dirty="0"/>
+          </a:p>
+          <a:p>
+            <a:endParaRPr kumimoji="1" lang="en-US" altLang="zh-CN" sz="2800" dirty="0"/>
+          </a:p>
+          <a:p>
+            <a:endParaRPr kumimoji="1" lang="en-US" altLang="zh-CN" sz="2800" dirty="0"/>
+          </a:p>
+          <a:p>
+            <a:endParaRPr kumimoji="1" lang="en-US" altLang="zh-CN" sz="2800" dirty="0"/>
+          </a:p>
+          <a:p>
+            <a:endParaRPr kumimoji="1" lang="en-US" altLang="zh-CN" sz="2800" dirty="0"/>
+          </a:p>
+        </p:txBody>
+      </p:sp>
       <p:pic>
         <p:nvPicPr>
           <p:cNvPr id="10" name="图片 9">
@@ -3522,7 +3559,7 @@
           <p:nvPr/>
         </p:nvPicPr>
         <p:blipFill rotWithShape="1">
-          <a:blip r:embed="rId4">
+          <a:blip r:embed="rId3">
             <a:extLst>
               <a:ext uri="{28A0092B-C50C-407E-A947-70E740481C1C}">
                 <a14:useLocalDpi xmlns:a14="http://schemas.microsoft.com/office/drawing/2010/main" val="0"/>
@@ -3534,8 +3571,8 @@
         </p:blipFill>
         <p:spPr>
           <a:xfrm>
-            <a:off x="400424" y="20922107"/>
-            <a:ext cx="8153301" cy="8424936"/>
+            <a:off x="300797" y="20224390"/>
+            <a:ext cx="7751046" cy="8009279"/>
           </a:xfrm>
           <a:prstGeom prst="rect">
             <a:avLst/>
@@ -3560,8 +3597,8 @@
         </p:nvSpPr>
         <p:spPr>
           <a:xfrm>
-            <a:off x="7957096" y="4698827"/>
-            <a:ext cx="6624736" cy="9941183"/>
+            <a:off x="7957096" y="3086536"/>
+            <a:ext cx="13033448" cy="4585871"/>
           </a:xfrm>
           <a:prstGeom prst="rect">
             <a:avLst/>
@@ -3626,92 +3663,6 @@
           <a:p>
             <a:endParaRPr kumimoji="1" lang="en-US" altLang="zh-CN" sz="2800" dirty="0"/>
           </a:p>
-          <a:p>
-            <a:endParaRPr kumimoji="1" lang="en-US" altLang="zh-CN" sz="2800" dirty="0"/>
-          </a:p>
-          <a:p>
-            <a:endParaRPr kumimoji="1" lang="en-US" altLang="zh-CN" sz="2800" dirty="0"/>
-          </a:p>
-          <a:p>
-            <a:r>
-              <a:rPr kumimoji="1" lang="en-US" altLang="zh-CN" sz="4000" b="1" dirty="0"/>
-              <a:t>4.    File system</a:t>
-            </a:r>
-          </a:p>
-          <a:p>
-            <a:r>
-              <a:rPr kumimoji="1" lang="en-US" altLang="zh-CN" sz="2800" dirty="0"/>
-              <a:t>This file system is organized in seven layers, including </a:t>
-            </a:r>
-          </a:p>
-          <a:p>
-            <a:pPr marL="571500" indent="-571500">
-              <a:buAutoNum type="romanLcParenR"/>
-            </a:pPr>
-            <a:r>
-              <a:rPr kumimoji="1" lang="en-US" altLang="zh-CN" sz="2800" dirty="0"/>
-              <a:t>Disk layer</a:t>
-            </a:r>
-          </a:p>
-          <a:p>
-            <a:pPr marL="571500" indent="-571500">
-              <a:buAutoNum type="romanLcParenR"/>
-            </a:pPr>
-            <a:r>
-              <a:rPr kumimoji="1" lang="en-US" altLang="zh-CN" sz="2800" dirty="0"/>
-              <a:t>Buffer cache layer</a:t>
-            </a:r>
-          </a:p>
-          <a:p>
-            <a:pPr marL="571500" indent="-571500">
-              <a:buAutoNum type="romanLcParenR"/>
-            </a:pPr>
-            <a:r>
-              <a:rPr kumimoji="1" lang="en-US" altLang="zh-CN" sz="2800" dirty="0"/>
-              <a:t>Logging layer</a:t>
-            </a:r>
-          </a:p>
-          <a:p>
-            <a:pPr marL="571500" indent="-571500">
-              <a:buAutoNum type="romanLcParenR"/>
-            </a:pPr>
-            <a:r>
-              <a:rPr kumimoji="1" lang="en-US" altLang="zh-CN" sz="2800" dirty="0" err="1"/>
-              <a:t>Inode</a:t>
-            </a:r>
-            <a:r>
-              <a:rPr kumimoji="1" lang="en-US" altLang="zh-CN" sz="2800" dirty="0"/>
-              <a:t> layer</a:t>
-            </a:r>
-          </a:p>
-          <a:p>
-            <a:pPr marL="571500" indent="-571500">
-              <a:buAutoNum type="romanLcParenR"/>
-            </a:pPr>
-            <a:r>
-              <a:rPr kumimoji="1" lang="en-US" altLang="zh-CN" sz="2800" dirty="0"/>
-              <a:t>Directory layer</a:t>
-            </a:r>
-          </a:p>
-          <a:p>
-            <a:pPr marL="571500" indent="-571500">
-              <a:buAutoNum type="romanLcParenR"/>
-            </a:pPr>
-            <a:r>
-              <a:rPr kumimoji="1" lang="en-US" altLang="zh-CN" sz="2800" dirty="0"/>
-              <a:t>Pathname layer</a:t>
-            </a:r>
-          </a:p>
-          <a:p>
-            <a:pPr marL="571500" indent="-571500">
-              <a:buAutoNum type="romanLcParenR"/>
-            </a:pPr>
-            <a:r>
-              <a:rPr kumimoji="1" lang="en-US" altLang="zh-CN" sz="2800" dirty="0"/>
-              <a:t>File descriptor layer</a:t>
-            </a:r>
-            <a:endParaRPr kumimoji="1" lang="zh-CN" altLang="en-US" sz="2800" dirty="0"/>
-          </a:p>
         </p:txBody>
       </p:sp>
       <p:sp>
@@ -3728,8 +3679,8 @@
         </p:nvSpPr>
         <p:spPr>
           <a:xfrm>
-            <a:off x="8236279" y="5979875"/>
-            <a:ext cx="504056" cy="3384376"/>
+            <a:off x="8182541" y="4128067"/>
+            <a:ext cx="491974" cy="2866981"/>
           </a:xfrm>
           <a:prstGeom prst="leftBrace">
             <a:avLst/>
@@ -3772,7 +3723,7 @@
         </p:nvSpPr>
         <p:spPr>
           <a:xfrm>
-            <a:off x="10655898" y="5754850"/>
+            <a:off x="10628190" y="3865192"/>
             <a:ext cx="504056" cy="1404156"/>
           </a:xfrm>
           <a:prstGeom prst="leftBrace">
@@ -3816,7 +3767,7 @@
         </p:nvSpPr>
         <p:spPr>
           <a:xfrm>
-            <a:off x="11147700" y="5676747"/>
+            <a:off x="11158295" y="3814787"/>
             <a:ext cx="1872208" cy="523220"/>
           </a:xfrm>
           <a:prstGeom prst="rect">
@@ -3852,7 +3803,7 @@
         </p:nvSpPr>
         <p:spPr>
           <a:xfrm>
-            <a:off x="8770720" y="5979875"/>
+            <a:off x="8704519" y="4111333"/>
             <a:ext cx="2376980" cy="954107"/>
           </a:xfrm>
           <a:prstGeom prst="rect">
@@ -3888,7 +3839,7 @@
         </p:nvSpPr>
         <p:spPr>
           <a:xfrm>
-            <a:off x="8750505" y="8551079"/>
+            <a:off x="8726771" y="6151541"/>
             <a:ext cx="1922680" cy="954107"/>
           </a:xfrm>
           <a:prstGeom prst="rect">
@@ -3924,7 +3875,7 @@
         </p:nvSpPr>
         <p:spPr>
           <a:xfrm>
-            <a:off x="11182206" y="6672372"/>
+            <a:off x="11158295" y="4751092"/>
             <a:ext cx="2664296" cy="523220"/>
           </a:xfrm>
           <a:prstGeom prst="rect">
@@ -3942,7 +3893,6 @@
               <a:rPr kumimoji="1" lang="en-US" altLang="zh-CN" sz="2800" dirty="0"/>
               <a:t>Device interrupts</a:t>
             </a:r>
-            <a:endParaRPr kumimoji="1" lang="zh-CN" altLang="en-US" sz="2800" dirty="0"/>
           </a:p>
         </p:txBody>
       </p:sp>
@@ -3960,7 +3910,7 @@
         </p:nvSpPr>
         <p:spPr>
           <a:xfrm>
-            <a:off x="10655898" y="8290787"/>
+            <a:off x="10613447" y="5926516"/>
             <a:ext cx="504056" cy="1404156"/>
           </a:xfrm>
           <a:prstGeom prst="leftBrace">
@@ -4004,7 +3954,7 @@
         </p:nvSpPr>
         <p:spPr>
           <a:xfrm>
-            <a:off x="11175175" y="8200088"/>
+            <a:off x="11158295" y="5787059"/>
             <a:ext cx="2088233" cy="523220"/>
           </a:xfrm>
           <a:prstGeom prst="rect">
@@ -4040,7 +3990,7 @@
         </p:nvSpPr>
         <p:spPr>
           <a:xfrm>
-            <a:off x="11182206" y="8772101"/>
+            <a:off x="11158295" y="6363355"/>
             <a:ext cx="2664296" cy="523220"/>
           </a:xfrm>
           <a:prstGeom prst="rect">
@@ -4076,7 +4026,7 @@
         </p:nvSpPr>
         <p:spPr>
           <a:xfrm>
-            <a:off x="11182206" y="9351668"/>
+            <a:off x="11174547" y="6890718"/>
             <a:ext cx="2664296" cy="523220"/>
           </a:xfrm>
           <a:prstGeom prst="rect">
@@ -4095,6 +4045,824 @@
               <a:t>Illegal operations</a:t>
             </a:r>
             <a:endParaRPr kumimoji="1" lang="zh-CN" altLang="en-US" sz="2800" dirty="0"/>
+          </a:p>
+        </p:txBody>
+      </p:sp>
+      <p:sp>
+        <p:nvSpPr>
+          <p:cNvPr id="5" name="文本框 4">
+            <a:extLst>
+              <a:ext uri="{FF2B5EF4-FFF2-40B4-BE49-F238E27FC236}">
+                <a16:creationId xmlns:a16="http://schemas.microsoft.com/office/drawing/2014/main" id="{B9551333-AE62-3646-B5F2-37F0C0E7898D}"/>
+              </a:ext>
+            </a:extLst>
+          </p:cNvPr>
+          <p:cNvSpPr txBox="1"/>
+          <p:nvPr/>
+        </p:nvSpPr>
+        <p:spPr>
+          <a:xfrm>
+            <a:off x="14205902" y="3086535"/>
+            <a:ext cx="6336704" cy="4585871"/>
+          </a:xfrm>
+          <a:prstGeom prst="rect">
+            <a:avLst/>
+          </a:prstGeom>
+          <a:noFill/>
+        </p:spPr>
+        <p:txBody>
+          <a:bodyPr wrap="square" rtlCol="0">
+            <a:spAutoFit/>
+          </a:bodyPr>
+          <a:lstStyle/>
+          <a:p>
+            <a:r>
+              <a:rPr kumimoji="1" lang="en-US" altLang="zh-CN" sz="4000" b="1" dirty="0"/>
+              <a:t>4.    File system (limited)</a:t>
+            </a:r>
+          </a:p>
+          <a:p>
+            <a:r>
+              <a:rPr kumimoji="1" lang="en-US" altLang="zh-CN" sz="2800" dirty="0"/>
+              <a:t>This file system is organized in seven layers, including </a:t>
+            </a:r>
+          </a:p>
+          <a:p>
+            <a:pPr marL="571500" indent="-571500">
+              <a:buAutoNum type="romanLcParenR"/>
+            </a:pPr>
+            <a:r>
+              <a:rPr kumimoji="1" lang="en-US" altLang="zh-CN" sz="2800" dirty="0"/>
+              <a:t>Disk layer</a:t>
+            </a:r>
+          </a:p>
+          <a:p>
+            <a:pPr marL="571500" indent="-571500">
+              <a:buAutoNum type="romanLcParenR"/>
+            </a:pPr>
+            <a:r>
+              <a:rPr kumimoji="1" lang="en-US" altLang="zh-CN" sz="2800" dirty="0"/>
+              <a:t>Buffer cache layer</a:t>
+            </a:r>
+          </a:p>
+          <a:p>
+            <a:pPr marL="571500" indent="-571500">
+              <a:buAutoNum type="romanLcParenR"/>
+            </a:pPr>
+            <a:r>
+              <a:rPr kumimoji="1" lang="en-US" altLang="zh-CN" sz="2800" dirty="0"/>
+              <a:t>Logging layer</a:t>
+            </a:r>
+          </a:p>
+          <a:p>
+            <a:pPr marL="571500" indent="-571500">
+              <a:buAutoNum type="romanLcParenR"/>
+            </a:pPr>
+            <a:r>
+              <a:rPr kumimoji="1" lang="en-US" altLang="zh-CN" sz="2800" dirty="0" err="1"/>
+              <a:t>Inode</a:t>
+            </a:r>
+            <a:r>
+              <a:rPr kumimoji="1" lang="en-US" altLang="zh-CN" sz="2800" dirty="0"/>
+              <a:t> layer</a:t>
+            </a:r>
+          </a:p>
+          <a:p>
+            <a:pPr marL="571500" indent="-571500">
+              <a:buAutoNum type="romanLcParenR"/>
+            </a:pPr>
+            <a:r>
+              <a:rPr kumimoji="1" lang="en-US" altLang="zh-CN" sz="2800" dirty="0"/>
+              <a:t>Directory layer</a:t>
+            </a:r>
+          </a:p>
+          <a:p>
+            <a:pPr marL="571500" indent="-571500">
+              <a:buAutoNum type="romanLcParenR"/>
+            </a:pPr>
+            <a:r>
+              <a:rPr kumimoji="1" lang="en-US" altLang="zh-CN" sz="2800" dirty="0"/>
+              <a:t>Pathname layer</a:t>
+            </a:r>
+          </a:p>
+          <a:p>
+            <a:pPr marL="571500" indent="-571500">
+              <a:buAutoNum type="romanLcParenR"/>
+            </a:pPr>
+            <a:r>
+              <a:rPr kumimoji="1" lang="en-US" altLang="zh-CN" sz="2800" dirty="0"/>
+              <a:t>File descriptor layer</a:t>
+            </a:r>
+          </a:p>
+        </p:txBody>
+      </p:sp>
+      <p:sp>
+        <p:nvSpPr>
+          <p:cNvPr id="22" name="文本框 21">
+            <a:extLst>
+              <a:ext uri="{FF2B5EF4-FFF2-40B4-BE49-F238E27FC236}">
+                <a16:creationId xmlns:a16="http://schemas.microsoft.com/office/drawing/2014/main" id="{4A90F50D-EE39-5B47-AA3F-C9D274738484}"/>
+              </a:ext>
+            </a:extLst>
+          </p:cNvPr>
+          <p:cNvSpPr txBox="1"/>
+          <p:nvPr/>
+        </p:nvSpPr>
+        <p:spPr>
+          <a:xfrm>
+            <a:off x="7956384" y="15701264"/>
+            <a:ext cx="8568952" cy="14373165"/>
+          </a:xfrm>
+          <a:prstGeom prst="rect">
+            <a:avLst/>
+          </a:prstGeom>
+          <a:noFill/>
+          <a:ln>
+            <a:solidFill>
+              <a:schemeClr val="tx1"/>
+            </a:solidFill>
+          </a:ln>
+        </p:spPr>
+        <p:txBody>
+          <a:bodyPr wrap="square" rtlCol="0">
+            <a:spAutoFit/>
+          </a:bodyPr>
+          <a:lstStyle/>
+          <a:p>
+            <a:pPr algn="ctr"/>
+            <a:r>
+              <a:rPr lang="en-US" altLang="zh-CN" sz="4400" b="1" dirty="0"/>
+              <a:t>System On Chip</a:t>
+            </a:r>
+          </a:p>
+          <a:p>
+            <a:pPr marL="514350" indent="-514350">
+              <a:buAutoNum type="arabicPeriod"/>
+            </a:pPr>
+            <a:r>
+              <a:rPr lang="en-US" altLang="zh-CN" sz="3600" b="1" dirty="0"/>
+              <a:t>CPU Core</a:t>
+            </a:r>
+          </a:p>
+          <a:p>
+            <a:pPr marL="571500" indent="-571500">
+              <a:buAutoNum type="romanLcParenR"/>
+            </a:pPr>
+            <a:r>
+              <a:rPr lang="en-US" altLang="zh-CN" sz="2800" dirty="0"/>
+              <a:t>RISC-V 32 bits instruction set architecture (ISA)</a:t>
+            </a:r>
+          </a:p>
+          <a:p>
+            <a:pPr marL="571500" indent="-571500">
+              <a:buFontTx/>
+              <a:buAutoNum type="romanLcParenR"/>
+            </a:pPr>
+            <a:r>
+              <a:rPr lang="en-US" altLang="zh-CN" sz="2800" dirty="0"/>
+              <a:t>RISC-V 32 bits extension (RV32IM)</a:t>
+            </a:r>
+          </a:p>
+          <a:p>
+            <a:pPr marL="571500" indent="-571500">
+              <a:buFontTx/>
+              <a:buAutoNum type="romanLcParenR"/>
+            </a:pPr>
+            <a:r>
+              <a:rPr lang="en-US" altLang="zh-CN" sz="2800" dirty="0"/>
+              <a:t>5 stages pipeline structure</a:t>
+            </a:r>
+          </a:p>
+          <a:p>
+            <a:pPr marL="571500" indent="-571500">
+              <a:buFontTx/>
+              <a:buAutoNum type="romanLcParenR"/>
+            </a:pPr>
+            <a:r>
+              <a:rPr lang="en-US" altLang="zh-CN" sz="2800" dirty="0"/>
+              <a:t>Static branch prediction</a:t>
+            </a:r>
+          </a:p>
+          <a:p>
+            <a:pPr marL="571500" indent="-571500">
+              <a:buFontTx/>
+              <a:buAutoNum type="romanLcParenR"/>
+            </a:pPr>
+            <a:r>
+              <a:rPr lang="en-US" altLang="zh-CN" sz="2800" dirty="0"/>
+              <a:t>Cache system (two ways associativity and LRU (Least recently used policy))</a:t>
+            </a:r>
+          </a:p>
+          <a:p>
+            <a:pPr marL="571500" indent="-571500">
+              <a:buFontTx/>
+              <a:buAutoNum type="romanLcParenR"/>
+            </a:pPr>
+            <a:r>
+              <a:rPr lang="en-US" altLang="zh-CN" sz="2800" dirty="0"/>
+              <a:t>Asynchronous FIFO between cache system and CPU</a:t>
+            </a:r>
+          </a:p>
+          <a:p>
+            <a:pPr marL="571500" indent="-571500">
+              <a:buFontTx/>
+              <a:buAutoNum type="romanLcParenR"/>
+            </a:pPr>
+            <a:r>
+              <a:rPr lang="en-US" altLang="zh-CN" sz="2800" dirty="0"/>
+              <a:t>Interruption Controller (not complete)</a:t>
+            </a:r>
+          </a:p>
+          <a:p>
+            <a:pPr marL="571500" indent="-571500">
+              <a:buFontTx/>
+              <a:buAutoNum type="romanLcParenR"/>
+            </a:pPr>
+            <a:r>
+              <a:rPr lang="en-US" altLang="zh-CN" sz="2800" dirty="0"/>
+              <a:t>Reorder buffer and Out of order execution (not complete)</a:t>
+            </a:r>
+          </a:p>
+          <a:p>
+            <a:pPr marL="571500" indent="-571500">
+              <a:buFontTx/>
+              <a:buAutoNum type="romanLcParenR"/>
+            </a:pPr>
+            <a:r>
+              <a:rPr lang="en-US" altLang="zh-CN" sz="2800" dirty="0"/>
+              <a:t>Superscalar processor (not complete)</a:t>
+            </a:r>
+          </a:p>
+          <a:p>
+            <a:pPr marL="571500" indent="-571500">
+              <a:buFontTx/>
+              <a:buAutoNum type="romanLcParenR"/>
+            </a:pPr>
+            <a:endParaRPr lang="en-US" altLang="zh-CN" sz="2800" dirty="0"/>
+          </a:p>
+          <a:p>
+            <a:pPr marL="571500" indent="-571500">
+              <a:buFontTx/>
+              <a:buAutoNum type="romanLcParenR"/>
+            </a:pPr>
+            <a:endParaRPr lang="en-US" altLang="zh-CN" sz="2800" dirty="0"/>
+          </a:p>
+          <a:p>
+            <a:pPr marL="571500" indent="-571500">
+              <a:buFontTx/>
+              <a:buAutoNum type="romanLcParenR"/>
+            </a:pPr>
+            <a:endParaRPr lang="en-US" altLang="zh-CN" sz="2800" dirty="0"/>
+          </a:p>
+          <a:p>
+            <a:pPr marL="571500" indent="-571500">
+              <a:buFontTx/>
+              <a:buAutoNum type="romanLcParenR"/>
+            </a:pPr>
+            <a:endParaRPr lang="en-US" altLang="zh-CN" sz="2800" dirty="0"/>
+          </a:p>
+          <a:p>
+            <a:pPr marL="571500" indent="-571500">
+              <a:buFontTx/>
+              <a:buAutoNum type="romanLcParenR"/>
+            </a:pPr>
+            <a:endParaRPr lang="en-US" altLang="zh-CN" sz="2800" dirty="0"/>
+          </a:p>
+          <a:p>
+            <a:pPr marL="571500" indent="-571500">
+              <a:buFontTx/>
+              <a:buAutoNum type="romanLcParenR"/>
+            </a:pPr>
+            <a:endParaRPr lang="en-US" altLang="zh-CN" sz="2800" dirty="0"/>
+          </a:p>
+          <a:p>
+            <a:pPr marL="571500" indent="-571500">
+              <a:buFontTx/>
+              <a:buAutoNum type="romanLcParenR"/>
+            </a:pPr>
+            <a:endParaRPr lang="en-US" altLang="zh-CN" sz="2800" dirty="0"/>
+          </a:p>
+          <a:p>
+            <a:pPr marL="571500" indent="-571500">
+              <a:buFontTx/>
+              <a:buAutoNum type="romanLcParenR"/>
+            </a:pPr>
+            <a:endParaRPr lang="en-US" altLang="zh-CN" sz="2800" dirty="0"/>
+          </a:p>
+          <a:p>
+            <a:pPr marL="571500" indent="-571500">
+              <a:buFontTx/>
+              <a:buAutoNum type="romanLcParenR"/>
+            </a:pPr>
+            <a:endParaRPr lang="en-US" altLang="zh-CN" sz="2800" dirty="0"/>
+          </a:p>
+          <a:p>
+            <a:pPr marL="571500" indent="-571500">
+              <a:buFontTx/>
+              <a:buAutoNum type="romanLcParenR"/>
+            </a:pPr>
+            <a:endParaRPr lang="en-US" altLang="zh-CN" sz="2800" dirty="0"/>
+          </a:p>
+          <a:p>
+            <a:pPr marL="514350" indent="-514350">
+              <a:buAutoNum type="arabicPeriod" startAt="2"/>
+            </a:pPr>
+            <a:r>
+              <a:rPr lang="en-US" altLang="zh-CN" sz="3600" b="1" dirty="0"/>
+              <a:t>Hardware support</a:t>
+            </a:r>
+          </a:p>
+          <a:p>
+            <a:pPr marL="571500" indent="-571500">
+              <a:buAutoNum type="romanLcParenR"/>
+            </a:pPr>
+            <a:r>
+              <a:rPr lang="en-US" altLang="zh-CN" sz="2800" dirty="0"/>
+              <a:t>Management Unit of DDR2 SDRAM on FPGA (Xilinx Memory Interface Generator)</a:t>
+            </a:r>
+          </a:p>
+          <a:p>
+            <a:pPr marL="571500" indent="-571500">
+              <a:buFontTx/>
+              <a:buAutoNum type="romanLcParenR"/>
+            </a:pPr>
+            <a:r>
+              <a:rPr lang="en-US" altLang="zh-CN" sz="2800" dirty="0"/>
+              <a:t>Communication between cache system and memory (Two AXI4 masters and one slave with Xilinx IP core AXI interconnect)</a:t>
+            </a:r>
+          </a:p>
+          <a:p>
+            <a:pPr marL="571500" indent="-571500">
+              <a:buFontTx/>
+              <a:buAutoNum type="romanLcParenR"/>
+            </a:pPr>
+            <a:r>
+              <a:rPr lang="en-US" altLang="zh-CN" sz="2800" dirty="0"/>
+              <a:t>GPIO to AXI4 (not complete)</a:t>
+            </a:r>
+          </a:p>
+          <a:p>
+            <a:pPr marL="571500" indent="-571500">
+              <a:buFontTx/>
+              <a:buAutoNum type="romanLcParenR"/>
+            </a:pPr>
+            <a:r>
+              <a:rPr lang="en-US" altLang="zh-CN" sz="2800" dirty="0"/>
+              <a:t>Ethernet Driver to AXI4 (not complete)</a:t>
+            </a:r>
+          </a:p>
+          <a:p>
+            <a:pPr marL="571500" indent="-571500">
+              <a:buFontTx/>
+              <a:buAutoNum type="romanLcParenR"/>
+            </a:pPr>
+            <a:r>
+              <a:rPr lang="en-US" altLang="zh-CN" sz="2800" dirty="0"/>
+              <a:t>USB Driver to AXI4 (not complete)</a:t>
+            </a:r>
+          </a:p>
+        </p:txBody>
+      </p:sp>
+      <p:pic>
+        <p:nvPicPr>
+          <p:cNvPr id="23" name="图片 22">
+            <a:extLst>
+              <a:ext uri="{FF2B5EF4-FFF2-40B4-BE49-F238E27FC236}">
+                <a16:creationId xmlns:a16="http://schemas.microsoft.com/office/drawing/2014/main" id="{D25E3466-D981-5B4F-8A32-15B5E6910199}"/>
+              </a:ext>
+            </a:extLst>
+          </p:cNvPr>
+          <p:cNvPicPr>
+            <a:picLocks noChangeAspect="1"/>
+          </p:cNvPicPr>
+          <p:nvPr/>
+        </p:nvPicPr>
+        <p:blipFill>
+          <a:blip r:embed="rId4"/>
+          <a:stretch>
+            <a:fillRect/>
+          </a:stretch>
+        </p:blipFill>
+        <p:spPr>
+          <a:xfrm>
+            <a:off x="8303227" y="21710142"/>
+            <a:ext cx="7706354" cy="3566078"/>
+          </a:xfrm>
+          <a:prstGeom prst="rect">
+            <a:avLst/>
+          </a:prstGeom>
+        </p:spPr>
+      </p:pic>
+      <p:sp>
+        <p:nvSpPr>
+          <p:cNvPr id="24" name="文本框 23">
+            <a:extLst>
+              <a:ext uri="{FF2B5EF4-FFF2-40B4-BE49-F238E27FC236}">
+                <a16:creationId xmlns:a16="http://schemas.microsoft.com/office/drawing/2014/main" id="{5756EBD1-EDA2-D347-88A5-32ABB79C9789}"/>
+              </a:ext>
+            </a:extLst>
+          </p:cNvPr>
+          <p:cNvSpPr txBox="1"/>
+          <p:nvPr/>
+        </p:nvSpPr>
+        <p:spPr>
+          <a:xfrm>
+            <a:off x="9154967" y="25381681"/>
+            <a:ext cx="5878864" cy="461665"/>
+          </a:xfrm>
+          <a:prstGeom prst="rect">
+            <a:avLst/>
+          </a:prstGeom>
+          <a:noFill/>
+        </p:spPr>
+        <p:txBody>
+          <a:bodyPr wrap="square" rtlCol="0">
+            <a:spAutoFit/>
+          </a:bodyPr>
+          <a:lstStyle/>
+          <a:p>
+            <a:r>
+              <a:rPr lang="en-US" altLang="zh-CN" sz="2400" dirty="0"/>
+              <a:t>Figure 4: The simple structure of CPU core</a:t>
+            </a:r>
+            <a:endParaRPr lang="zh-CN" altLang="en-US" sz="2400" dirty="0"/>
+          </a:p>
+        </p:txBody>
+      </p:sp>
+      <p:pic>
+        <p:nvPicPr>
+          <p:cNvPr id="7" name="图片 6">
+            <a:extLst>
+              <a:ext uri="{FF2B5EF4-FFF2-40B4-BE49-F238E27FC236}">
+                <a16:creationId xmlns:a16="http://schemas.microsoft.com/office/drawing/2014/main" id="{4079B5E8-0EDC-0749-925D-5AA4D796C722}"/>
+              </a:ext>
+            </a:extLst>
+          </p:cNvPr>
+          <p:cNvPicPr>
+            <a:picLocks noChangeAspect="1"/>
+          </p:cNvPicPr>
+          <p:nvPr/>
+        </p:nvPicPr>
+        <p:blipFill>
+          <a:blip r:embed="rId5">
+            <a:extLst>
+              <a:ext uri="{28A0092B-C50C-407E-A947-70E740481C1C}">
+                <a14:useLocalDpi xmlns:a14="http://schemas.microsoft.com/office/drawing/2010/main" val="0"/>
+              </a:ext>
+            </a:extLst>
+          </a:blip>
+          <a:stretch>
+            <a:fillRect/>
+          </a:stretch>
+        </p:blipFill>
+        <p:spPr>
+          <a:xfrm rot="5400000">
+            <a:off x="12368941" y="20049532"/>
+            <a:ext cx="12502406" cy="3733800"/>
+          </a:xfrm>
+          <a:prstGeom prst="rect">
+            <a:avLst/>
+          </a:prstGeom>
+        </p:spPr>
+      </p:pic>
+      <p:sp>
+        <p:nvSpPr>
+          <p:cNvPr id="30" name="文本框 29">
+            <a:extLst>
+              <a:ext uri="{FF2B5EF4-FFF2-40B4-BE49-F238E27FC236}">
+                <a16:creationId xmlns:a16="http://schemas.microsoft.com/office/drawing/2014/main" id="{53952DB7-20EF-4E45-8215-8BACDF3C7503}"/>
+              </a:ext>
+            </a:extLst>
+          </p:cNvPr>
+          <p:cNvSpPr txBox="1"/>
+          <p:nvPr/>
+        </p:nvSpPr>
+        <p:spPr>
+          <a:xfrm>
+            <a:off x="1924547" y="17547536"/>
+            <a:ext cx="4072209" cy="400110"/>
+          </a:xfrm>
+          <a:prstGeom prst="rect">
+            <a:avLst/>
+          </a:prstGeom>
+          <a:noFill/>
+        </p:spPr>
+        <p:txBody>
+          <a:bodyPr wrap="square" rtlCol="0">
+            <a:spAutoFit/>
+          </a:bodyPr>
+          <a:lstStyle/>
+          <a:p>
+            <a:r>
+              <a:rPr kumimoji="1" lang="en-US" altLang="zh-CN" sz="2000" dirty="0"/>
+              <a:t>Figure 1: virtual and physical address</a:t>
+            </a:r>
+            <a:endParaRPr kumimoji="1" lang="zh-CN" altLang="en-US" sz="2000" dirty="0"/>
+          </a:p>
+        </p:txBody>
+      </p:sp>
+      <p:pic>
+        <p:nvPicPr>
+          <p:cNvPr id="38" name="图片 37">
+            <a:extLst>
+              <a:ext uri="{FF2B5EF4-FFF2-40B4-BE49-F238E27FC236}">
+                <a16:creationId xmlns:a16="http://schemas.microsoft.com/office/drawing/2014/main" id="{8FF48645-96D8-A142-8A25-D5784C82D25E}"/>
+              </a:ext>
+            </a:extLst>
+          </p:cNvPr>
+          <p:cNvPicPr>
+            <a:picLocks noChangeAspect="1"/>
+          </p:cNvPicPr>
+          <p:nvPr/>
+        </p:nvPicPr>
+        <p:blipFill>
+          <a:blip r:embed="rId6">
+            <a:extLst>
+              <a:ext uri="{28A0092B-C50C-407E-A947-70E740481C1C}">
+                <a14:useLocalDpi xmlns:a14="http://schemas.microsoft.com/office/drawing/2010/main" val="0"/>
+              </a:ext>
+            </a:extLst>
+          </a:blip>
+          <a:stretch>
+            <a:fillRect/>
+          </a:stretch>
+        </p:blipFill>
+        <p:spPr>
+          <a:xfrm>
+            <a:off x="790516" y="12012794"/>
+            <a:ext cx="5993024" cy="5734797"/>
+          </a:xfrm>
+          <a:prstGeom prst="rect">
+            <a:avLst/>
+          </a:prstGeom>
+        </p:spPr>
+      </p:pic>
+      <p:pic>
+        <p:nvPicPr>
+          <p:cNvPr id="44" name="图片 43">
+            <a:extLst>
+              <a:ext uri="{FF2B5EF4-FFF2-40B4-BE49-F238E27FC236}">
+                <a16:creationId xmlns:a16="http://schemas.microsoft.com/office/drawing/2014/main" id="{EEDADEB5-BA83-1349-B302-6A101D13AD99}"/>
+              </a:ext>
+            </a:extLst>
+          </p:cNvPr>
+          <p:cNvPicPr>
+            <a:picLocks noChangeAspect="1"/>
+          </p:cNvPicPr>
+          <p:nvPr/>
+        </p:nvPicPr>
+        <p:blipFill>
+          <a:blip r:embed="rId7">
+            <a:extLst>
+              <a:ext uri="{28A0092B-C50C-407E-A947-70E740481C1C}">
+                <a14:useLocalDpi xmlns:a14="http://schemas.microsoft.com/office/drawing/2010/main" val="0"/>
+              </a:ext>
+            </a:extLst>
+          </a:blip>
+          <a:stretch>
+            <a:fillRect/>
+          </a:stretch>
+        </p:blipFill>
+        <p:spPr>
+          <a:xfrm>
+            <a:off x="8606388" y="10983099"/>
+            <a:ext cx="11448052" cy="4081593"/>
+          </a:xfrm>
+          <a:prstGeom prst="rect">
+            <a:avLst/>
+          </a:prstGeom>
+        </p:spPr>
+      </p:pic>
+      <p:sp>
+        <p:nvSpPr>
+          <p:cNvPr id="45" name="文本框 44">
+            <a:extLst>
+              <a:ext uri="{FF2B5EF4-FFF2-40B4-BE49-F238E27FC236}">
+                <a16:creationId xmlns:a16="http://schemas.microsoft.com/office/drawing/2014/main" id="{CB872A93-F783-5949-9D6C-0915F1DBC3FE}"/>
+              </a:ext>
+            </a:extLst>
+          </p:cNvPr>
+          <p:cNvSpPr txBox="1"/>
+          <p:nvPr/>
+        </p:nvSpPr>
+        <p:spPr>
+          <a:xfrm>
+            <a:off x="1025078" y="28233669"/>
+            <a:ext cx="6302484" cy="707886"/>
+          </a:xfrm>
+          <a:prstGeom prst="rect">
+            <a:avLst/>
+          </a:prstGeom>
+          <a:noFill/>
+        </p:spPr>
+        <p:txBody>
+          <a:bodyPr wrap="square" rtlCol="0">
+            <a:spAutoFit/>
+          </a:bodyPr>
+          <a:lstStyle/>
+          <a:p>
+            <a:r>
+              <a:rPr kumimoji="1" lang="en-US" altLang="zh-CN" sz="2000" dirty="0"/>
+              <a:t>Figure 2: kernel address space (left) and physical address space (right)</a:t>
+            </a:r>
+            <a:endParaRPr kumimoji="1" lang="zh-CN" altLang="en-US" sz="2000" dirty="0"/>
+          </a:p>
+        </p:txBody>
+      </p:sp>
+      <p:sp>
+        <p:nvSpPr>
+          <p:cNvPr id="46" name="文本框 45">
+            <a:extLst>
+              <a:ext uri="{FF2B5EF4-FFF2-40B4-BE49-F238E27FC236}">
+                <a16:creationId xmlns:a16="http://schemas.microsoft.com/office/drawing/2014/main" id="{CC2752F0-31DC-434D-97C7-1CE19D2F3A92}"/>
+              </a:ext>
+            </a:extLst>
+          </p:cNvPr>
+          <p:cNvSpPr txBox="1"/>
+          <p:nvPr/>
+        </p:nvSpPr>
+        <p:spPr>
+          <a:xfrm>
+            <a:off x="11925910" y="15167952"/>
+            <a:ext cx="5095820" cy="400110"/>
+          </a:xfrm>
+          <a:prstGeom prst="rect">
+            <a:avLst/>
+          </a:prstGeom>
+          <a:noFill/>
+        </p:spPr>
+        <p:txBody>
+          <a:bodyPr wrap="square" rtlCol="0">
+            <a:spAutoFit/>
+          </a:bodyPr>
+          <a:lstStyle/>
+          <a:p>
+            <a:r>
+              <a:rPr lang="en-US" altLang="zh-CN" sz="2000" dirty="0"/>
+              <a:t>Figure 3: Block Design Diagram of Cache</a:t>
+            </a:r>
+            <a:endParaRPr lang="zh-CN" altLang="en-US" sz="2000" dirty="0"/>
+          </a:p>
+        </p:txBody>
+      </p:sp>
+      <p:pic>
+        <p:nvPicPr>
+          <p:cNvPr id="47" name="图片 46">
+            <a:extLst>
+              <a:ext uri="{FF2B5EF4-FFF2-40B4-BE49-F238E27FC236}">
+                <a16:creationId xmlns:a16="http://schemas.microsoft.com/office/drawing/2014/main" id="{0C3EC653-8FC3-F446-B5DB-48E95C2BF3EE}"/>
+              </a:ext>
+            </a:extLst>
+          </p:cNvPr>
+          <p:cNvPicPr>
+            <a:picLocks noChangeAspect="1"/>
+          </p:cNvPicPr>
+          <p:nvPr/>
+        </p:nvPicPr>
+        <p:blipFill>
+          <a:blip r:embed="rId8">
+            <a:extLst>
+              <a:ext uri="{28A0092B-C50C-407E-A947-70E740481C1C}">
+                <a14:useLocalDpi xmlns:a14="http://schemas.microsoft.com/office/drawing/2010/main" val="0"/>
+              </a:ext>
+            </a:extLst>
+          </a:blip>
+          <a:stretch>
+            <a:fillRect/>
+          </a:stretch>
+        </p:blipFill>
+        <p:spPr>
+          <a:xfrm>
+            <a:off x="16956672" y="28587612"/>
+            <a:ext cx="1270000" cy="1270000"/>
+          </a:xfrm>
+          <a:prstGeom prst="rect">
+            <a:avLst/>
+          </a:prstGeom>
+        </p:spPr>
+      </p:pic>
+      <p:sp>
+        <p:nvSpPr>
+          <p:cNvPr id="48" name="文本框 47">
+            <a:extLst>
+              <a:ext uri="{FF2B5EF4-FFF2-40B4-BE49-F238E27FC236}">
+                <a16:creationId xmlns:a16="http://schemas.microsoft.com/office/drawing/2014/main" id="{893EE4A6-5675-F44A-9F06-AD52649D9602}"/>
+              </a:ext>
+            </a:extLst>
+          </p:cNvPr>
+          <p:cNvSpPr txBox="1"/>
+          <p:nvPr/>
+        </p:nvSpPr>
+        <p:spPr>
+          <a:xfrm>
+            <a:off x="18210032" y="28167635"/>
+            <a:ext cx="2763871" cy="2308324"/>
+          </a:xfrm>
+          <a:prstGeom prst="rect">
+            <a:avLst/>
+          </a:prstGeom>
+          <a:noFill/>
+        </p:spPr>
+        <p:txBody>
+          <a:bodyPr wrap="square" rtlCol="0">
+            <a:spAutoFit/>
+          </a:bodyPr>
+          <a:lstStyle/>
+          <a:p>
+            <a:r>
+              <a:rPr kumimoji="1" lang="en-US" altLang="zh-CN" sz="2400" i="1" dirty="0"/>
+              <a:t>Look our blog by scanning here or access: </a:t>
+            </a:r>
+            <a:r>
+              <a:rPr kumimoji="1" lang="en-US" altLang="zh-CN" sz="2400" i="1" dirty="0">
+                <a:hlinkClick r:id="rId9"/>
+              </a:rPr>
+              <a:t>https://sggfangy2.blogspot.com</a:t>
+            </a:r>
+            <a:endParaRPr kumimoji="1" lang="en-US" altLang="zh-CN" sz="2400" i="1" dirty="0"/>
+          </a:p>
+          <a:p>
+            <a:r>
+              <a:rPr kumimoji="1" lang="en-US" altLang="zh-CN" sz="2400" i="1" dirty="0"/>
+              <a:t> </a:t>
+            </a:r>
+            <a:endParaRPr kumimoji="1" lang="zh-CN" altLang="en-US" sz="2400" i="1" dirty="0"/>
+          </a:p>
+        </p:txBody>
+      </p:sp>
+      <p:sp>
+        <p:nvSpPr>
+          <p:cNvPr id="49" name="文本框 48">
+            <a:extLst>
+              <a:ext uri="{FF2B5EF4-FFF2-40B4-BE49-F238E27FC236}">
+                <a16:creationId xmlns:a16="http://schemas.microsoft.com/office/drawing/2014/main" id="{31E99833-00DC-104D-B41A-568E782B6695}"/>
+              </a:ext>
+            </a:extLst>
+          </p:cNvPr>
+          <p:cNvSpPr txBox="1"/>
+          <p:nvPr/>
+        </p:nvSpPr>
+        <p:spPr>
+          <a:xfrm>
+            <a:off x="7956384" y="7867179"/>
+            <a:ext cx="12977103" cy="2923877"/>
+          </a:xfrm>
+          <a:prstGeom prst="rect">
+            <a:avLst/>
+          </a:prstGeom>
+          <a:noFill/>
+          <a:ln>
+            <a:solidFill>
+              <a:schemeClr val="tx1"/>
+            </a:solidFill>
+          </a:ln>
+        </p:spPr>
+        <p:txBody>
+          <a:bodyPr wrap="square" rtlCol="0">
+            <a:spAutoFit/>
+          </a:bodyPr>
+          <a:lstStyle/>
+          <a:p>
+            <a:pPr algn="ctr"/>
+            <a:r>
+              <a:rPr kumimoji="1" lang="en-US" altLang="zh-CN" sz="4400" dirty="0"/>
+              <a:t>Bootloader ----U-boot</a:t>
+            </a:r>
+          </a:p>
+          <a:p>
+            <a:r>
+              <a:rPr lang="en-US" altLang="zh-CN" sz="2800" dirty="0" err="1"/>
+              <a:t>Uboot</a:t>
+            </a:r>
+            <a:r>
+              <a:rPr lang="en-US" altLang="zh-CN" sz="2800" dirty="0"/>
+              <a:t> needs to have the ability to read and write flash. Its ultimate purpose is to read the kernel from flash, put it into memory, and start the kernel. </a:t>
+            </a:r>
+            <a:r>
+              <a:rPr lang="en-US" altLang="zh-CN" sz="2800" dirty="0" err="1"/>
+              <a:t>Uboot</a:t>
+            </a:r>
+            <a:r>
+              <a:rPr lang="en-US" altLang="zh-CN" sz="2800" dirty="0"/>
+              <a:t> starts in two stages. The first stage is the assembly stage running mainly in the </a:t>
+            </a:r>
+            <a:r>
+              <a:rPr lang="en-US" altLang="zh-CN" sz="2800" dirty="0" err="1"/>
+              <a:t>start.s</a:t>
+            </a:r>
+            <a:r>
+              <a:rPr lang="en-US" altLang="zh-CN" sz="2800" dirty="0"/>
+              <a:t> file. The main job on this stage is to initialize the hardware. When the program jumps to the </a:t>
+            </a:r>
+            <a:r>
+              <a:rPr lang="en-US" altLang="zh-CN" sz="2800" dirty="0" err="1"/>
+              <a:t>start_armboot</a:t>
+            </a:r>
+            <a:r>
+              <a:rPr lang="en-US" altLang="zh-CN" sz="2800" dirty="0"/>
+              <a:t> function, the second stage the C language running in the DDR starts</a:t>
+            </a:r>
+            <a:endParaRPr lang="zh-CN" altLang="zh-CN" sz="2800" dirty="0"/>
           </a:p>
         </p:txBody>
       </p:sp>

--- a/A1template.pptx
+++ b/A1template.pptx
@@ -305,7 +305,7 @@
             <a:fld id="{04C9D829-294C-4884-861A-6C5EA952172F}" type="datetimeFigureOut">
               <a:rPr lang="en-GB" smtClean="0"/>
               <a:pPr/>
-              <a:t>03/03/2020</a:t>
+              <a:t>04/03/2020</a:t>
             </a:fld>
             <a:endParaRPr lang="en-GB"/>
           </a:p>
@@ -472,7 +472,7 @@
             <a:fld id="{04C9D829-294C-4884-861A-6C5EA952172F}" type="datetimeFigureOut">
               <a:rPr lang="en-GB" smtClean="0"/>
               <a:pPr/>
-              <a:t>03/03/2020</a:t>
+              <a:t>04/03/2020</a:t>
             </a:fld>
             <a:endParaRPr lang="en-GB"/>
           </a:p>
@@ -649,7 +649,7 @@
             <a:fld id="{04C9D829-294C-4884-861A-6C5EA952172F}" type="datetimeFigureOut">
               <a:rPr lang="en-GB" smtClean="0"/>
               <a:pPr/>
-              <a:t>03/03/2020</a:t>
+              <a:t>04/03/2020</a:t>
             </a:fld>
             <a:endParaRPr lang="en-GB"/>
           </a:p>
@@ -816,7 +816,7 @@
             <a:fld id="{04C9D829-294C-4884-861A-6C5EA952172F}" type="datetimeFigureOut">
               <a:rPr lang="en-GB" smtClean="0"/>
               <a:pPr/>
-              <a:t>03/03/2020</a:t>
+              <a:t>04/03/2020</a:t>
             </a:fld>
             <a:endParaRPr lang="en-GB"/>
           </a:p>
@@ -1059,7 +1059,7 @@
             <a:fld id="{04C9D829-294C-4884-861A-6C5EA952172F}" type="datetimeFigureOut">
               <a:rPr lang="en-GB" smtClean="0"/>
               <a:pPr/>
-              <a:t>03/03/2020</a:t>
+              <a:t>04/03/2020</a:t>
             </a:fld>
             <a:endParaRPr lang="en-GB"/>
           </a:p>
@@ -1344,7 +1344,7 @@
             <a:fld id="{04C9D829-294C-4884-861A-6C5EA952172F}" type="datetimeFigureOut">
               <a:rPr lang="en-GB" smtClean="0"/>
               <a:pPr/>
-              <a:t>03/03/2020</a:t>
+              <a:t>04/03/2020</a:t>
             </a:fld>
             <a:endParaRPr lang="en-GB"/>
           </a:p>
@@ -1768,7 +1768,7 @@
             <a:fld id="{04C9D829-294C-4884-861A-6C5EA952172F}" type="datetimeFigureOut">
               <a:rPr lang="en-GB" smtClean="0"/>
               <a:pPr/>
-              <a:t>03/03/2020</a:t>
+              <a:t>04/03/2020</a:t>
             </a:fld>
             <a:endParaRPr lang="en-GB"/>
           </a:p>
@@ -1883,7 +1883,7 @@
             <a:fld id="{04C9D829-294C-4884-861A-6C5EA952172F}" type="datetimeFigureOut">
               <a:rPr lang="en-GB" smtClean="0"/>
               <a:pPr/>
-              <a:t>03/03/2020</a:t>
+              <a:t>04/03/2020</a:t>
             </a:fld>
             <a:endParaRPr lang="en-GB"/>
           </a:p>
@@ -1975,7 +1975,7 @@
             <a:fld id="{04C9D829-294C-4884-861A-6C5EA952172F}" type="datetimeFigureOut">
               <a:rPr lang="en-GB" smtClean="0"/>
               <a:pPr/>
-              <a:t>03/03/2020</a:t>
+              <a:t>04/03/2020</a:t>
             </a:fld>
             <a:endParaRPr lang="en-GB"/>
           </a:p>
@@ -2249,7 +2249,7 @@
             <a:fld id="{04C9D829-294C-4884-861A-6C5EA952172F}" type="datetimeFigureOut">
               <a:rPr lang="en-GB" smtClean="0"/>
               <a:pPr/>
-              <a:t>03/03/2020</a:t>
+              <a:t>04/03/2020</a:t>
             </a:fld>
             <a:endParaRPr lang="en-GB"/>
           </a:p>
@@ -2499,7 +2499,7 @@
             <a:fld id="{04C9D829-294C-4884-861A-6C5EA952172F}" type="datetimeFigureOut">
               <a:rPr lang="en-GB" smtClean="0"/>
               <a:pPr/>
-              <a:t>03/03/2020</a:t>
+              <a:t>04/03/2020</a:t>
             </a:fld>
             <a:endParaRPr lang="en-GB"/>
           </a:p>
@@ -2709,7 +2709,7 @@
             <a:fld id="{04C9D829-294C-4884-861A-6C5EA952172F}" type="datetimeFigureOut">
               <a:rPr lang="en-GB" smtClean="0"/>
               <a:pPr/>
-              <a:t>03/03/2020</a:t>
+              <a:t>04/03/2020</a:t>
             </a:fld>
             <a:endParaRPr lang="en-GB"/>
           </a:p>
@@ -3147,7 +3147,7 @@
         </p:nvSpPr>
         <p:spPr>
           <a:xfrm>
-            <a:off x="396256" y="1286356"/>
+            <a:off x="396256" y="1114048"/>
             <a:ext cx="20594288" cy="1785104"/>
           </a:xfrm>
           <a:prstGeom prst="rect">
@@ -3219,7 +3219,7 @@
                 <a:ea typeface="Tahoma" panose="020B0604030504040204" pitchFamily="34" charset="0"/>
                 <a:cs typeface="Tahoma" panose="020B0604030504040204" pitchFamily="34" charset="0"/>
               </a:rPr>
-              <a:t> Chen</a:t>
+              <a:t> Chen  </a:t>
             </a:r>
           </a:p>
         </p:txBody>
@@ -3239,7 +3239,7 @@
         <p:spPr>
           <a:xfrm>
             <a:off x="396256" y="3091961"/>
-            <a:ext cx="7128792" cy="26992005"/>
+            <a:ext cx="7128792" cy="26745783"/>
           </a:xfrm>
           <a:prstGeom prst="rect">
             <a:avLst/>
@@ -3471,76 +3471,94 @@
             </a:r>
           </a:p>
           <a:p>
-            <a:pPr marL="571500" indent="-571500">
-              <a:buAutoNum type="romanLcParenR"/>
-            </a:pPr>
-            <a:endParaRPr kumimoji="1" lang="en-US" altLang="zh-CN" sz="2800" dirty="0"/>
-          </a:p>
-          <a:p>
-            <a:pPr marL="571500" indent="-571500">
-              <a:buAutoNum type="romanLcParenR"/>
-            </a:pPr>
-            <a:endParaRPr kumimoji="1" lang="en-US" altLang="zh-CN" sz="2800" dirty="0"/>
-          </a:p>
-          <a:p>
-            <a:endParaRPr kumimoji="1" lang="en-US" altLang="zh-CN" sz="2800" dirty="0"/>
-          </a:p>
-          <a:p>
-            <a:endParaRPr kumimoji="1" lang="en-US" altLang="zh-CN" sz="2800" dirty="0"/>
-          </a:p>
-          <a:p>
-            <a:endParaRPr kumimoji="1" lang="en-US" altLang="zh-CN" sz="2800" dirty="0"/>
-          </a:p>
-          <a:p>
-            <a:endParaRPr kumimoji="1" lang="en-US" altLang="zh-CN" sz="2800" dirty="0"/>
-          </a:p>
-          <a:p>
-            <a:endParaRPr kumimoji="1" lang="en-US" altLang="zh-CN" sz="2800" dirty="0"/>
-          </a:p>
-          <a:p>
-            <a:endParaRPr kumimoji="1" lang="en-US" altLang="zh-CN" sz="2800" dirty="0"/>
-          </a:p>
-          <a:p>
-            <a:endParaRPr kumimoji="1" lang="en-US" altLang="zh-CN" sz="2800" dirty="0"/>
-          </a:p>
-          <a:p>
-            <a:endParaRPr kumimoji="1" lang="en-US" altLang="zh-CN" sz="2800" dirty="0"/>
-          </a:p>
-          <a:p>
-            <a:endParaRPr kumimoji="1" lang="en-US" altLang="zh-CN" sz="2800" dirty="0"/>
-          </a:p>
-          <a:p>
-            <a:endParaRPr kumimoji="1" lang="en-US" altLang="zh-CN" sz="2800" dirty="0"/>
-          </a:p>
-          <a:p>
-            <a:endParaRPr kumimoji="1" lang="en-US" altLang="zh-CN" sz="2800" dirty="0"/>
-          </a:p>
-          <a:p>
-            <a:endParaRPr kumimoji="1" lang="en-US" altLang="zh-CN" sz="2800" dirty="0"/>
-          </a:p>
-          <a:p>
-            <a:endParaRPr kumimoji="1" lang="en-US" altLang="zh-CN" sz="2800" dirty="0"/>
-          </a:p>
-          <a:p>
-            <a:endParaRPr kumimoji="1" lang="en-US" altLang="zh-CN" sz="2800" dirty="0"/>
-          </a:p>
-          <a:p>
-            <a:endParaRPr kumimoji="1" lang="en-US" altLang="zh-CN" sz="2800" dirty="0"/>
-          </a:p>
-          <a:p>
-            <a:endParaRPr kumimoji="1" lang="en-US" altLang="zh-CN" sz="2800" dirty="0"/>
-          </a:p>
-          <a:p>
-            <a:endParaRPr kumimoji="1" lang="en-US" altLang="zh-CN" sz="2800" dirty="0"/>
-          </a:p>
-          <a:p>
-            <a:endParaRPr kumimoji="1" lang="en-US" altLang="zh-CN" sz="2800" dirty="0"/>
-          </a:p>
-          <a:p>
-            <a:endParaRPr kumimoji="1" lang="en-US" altLang="zh-CN" sz="2800" dirty="0"/>
-          </a:p>
-          <a:p>
-            <a:endParaRPr kumimoji="1" lang="en-US" altLang="zh-CN" sz="2800" dirty="0"/>
+            <a:endParaRPr kumimoji="1" lang="en-US" altLang="zh-CN" sz="2000" dirty="0"/>
+          </a:p>
+          <a:p>
+            <a:endParaRPr kumimoji="1" lang="en-US" altLang="zh-CN" sz="2000" dirty="0"/>
+          </a:p>
+          <a:p>
+            <a:endParaRPr kumimoji="1" lang="en-US" altLang="zh-CN" sz="2000" dirty="0"/>
+          </a:p>
+          <a:p>
+            <a:endParaRPr kumimoji="1" lang="en-US" altLang="zh-CN" sz="2000" dirty="0"/>
+          </a:p>
+          <a:p>
+            <a:endParaRPr kumimoji="1" lang="en-US" altLang="zh-CN" sz="2000" dirty="0"/>
+          </a:p>
+          <a:p>
+            <a:endParaRPr kumimoji="1" lang="en-US" altLang="zh-CN" sz="2000" dirty="0"/>
+          </a:p>
+          <a:p>
+            <a:endParaRPr kumimoji="1" lang="en-US" altLang="zh-CN" sz="2000" dirty="0"/>
+          </a:p>
+          <a:p>
+            <a:endParaRPr kumimoji="1" lang="en-US" altLang="zh-CN" sz="2000" dirty="0"/>
+          </a:p>
+          <a:p>
+            <a:endParaRPr kumimoji="1" lang="en-US" altLang="zh-CN" sz="2000" dirty="0"/>
+          </a:p>
+          <a:p>
+            <a:endParaRPr kumimoji="1" lang="en-US" altLang="zh-CN" sz="2000" dirty="0"/>
+          </a:p>
+          <a:p>
+            <a:endParaRPr kumimoji="1" lang="en-US" altLang="zh-CN" sz="2000" dirty="0"/>
+          </a:p>
+          <a:p>
+            <a:endParaRPr kumimoji="1" lang="en-US" altLang="zh-CN" sz="2000" dirty="0"/>
+          </a:p>
+          <a:p>
+            <a:endParaRPr kumimoji="1" lang="en-US" altLang="zh-CN" sz="2000" dirty="0"/>
+          </a:p>
+          <a:p>
+            <a:endParaRPr kumimoji="1" lang="en-US" altLang="zh-CN" sz="2000" dirty="0"/>
+          </a:p>
+          <a:p>
+            <a:endParaRPr kumimoji="1" lang="en-US" altLang="zh-CN" sz="2000" dirty="0"/>
+          </a:p>
+          <a:p>
+            <a:endParaRPr kumimoji="1" lang="en-US" altLang="zh-CN" sz="2000" dirty="0"/>
+          </a:p>
+          <a:p>
+            <a:endParaRPr kumimoji="1" lang="en-US" altLang="zh-CN" sz="2000" dirty="0"/>
+          </a:p>
+          <a:p>
+            <a:endParaRPr kumimoji="1" lang="en-US" altLang="zh-CN" sz="2000" dirty="0"/>
+          </a:p>
+          <a:p>
+            <a:endParaRPr kumimoji="1" lang="en-US" altLang="zh-CN" sz="2000" dirty="0"/>
+          </a:p>
+          <a:p>
+            <a:endParaRPr kumimoji="1" lang="en-US" altLang="zh-CN" sz="2000" dirty="0"/>
+          </a:p>
+          <a:p>
+            <a:endParaRPr kumimoji="1" lang="en-US" altLang="zh-CN" sz="2000" dirty="0"/>
+          </a:p>
+          <a:p>
+            <a:endParaRPr kumimoji="1" lang="en-US" altLang="zh-CN" sz="2000" dirty="0"/>
+          </a:p>
+          <a:p>
+            <a:endParaRPr kumimoji="1" lang="en-US" altLang="zh-CN" sz="2000" dirty="0"/>
+          </a:p>
+          <a:p>
+            <a:endParaRPr kumimoji="1" lang="en-US" altLang="zh-CN" sz="2000" dirty="0"/>
+          </a:p>
+          <a:p>
+            <a:endParaRPr kumimoji="1" lang="en-US" altLang="zh-CN" sz="2000" dirty="0"/>
+          </a:p>
+          <a:p>
+            <a:endParaRPr kumimoji="1" lang="en-US" altLang="zh-CN" sz="2000" dirty="0"/>
+          </a:p>
+          <a:p>
+            <a:endParaRPr kumimoji="1" lang="en-US" altLang="zh-CN" sz="2000" dirty="0"/>
+          </a:p>
+          <a:p>
+            <a:endParaRPr kumimoji="1" lang="en-US" altLang="zh-CN" sz="2000" dirty="0"/>
+          </a:p>
+          <a:p>
+            <a:endParaRPr kumimoji="1" lang="en-US" altLang="zh-CN" sz="2000" dirty="0"/>
+          </a:p>
+          <a:p>
+            <a:endParaRPr kumimoji="1" lang="en-US" altLang="zh-CN" sz="2000" dirty="0"/>
           </a:p>
         </p:txBody>
       </p:sp>
@@ -3571,8 +3589,8 @@
         </p:blipFill>
         <p:spPr>
           <a:xfrm>
-            <a:off x="300797" y="20224390"/>
-            <a:ext cx="7751046" cy="8009279"/>
+            <a:off x="42720" y="20188983"/>
+            <a:ext cx="8346424" cy="8624493"/>
           </a:xfrm>
           <a:prstGeom prst="rect">
             <a:avLst/>
@@ -4170,7 +4188,7 @@
         </p:nvSpPr>
         <p:spPr>
           <a:xfrm>
-            <a:off x="7956384" y="15701264"/>
+            <a:off x="7868957" y="15464579"/>
             <a:ext cx="8568952" cy="14373165"/>
           </a:xfrm>
           <a:prstGeom prst="rect">
@@ -4445,7 +4463,7 @@
         </p:blipFill>
         <p:spPr>
           <a:xfrm>
-            <a:off x="8303227" y="21710142"/>
+            <a:off x="8219940" y="21425708"/>
             <a:ext cx="7706354" cy="3566078"/>
           </a:xfrm>
           <a:prstGeom prst="rect">
@@ -4467,7 +4485,7 @@
         </p:nvSpPr>
         <p:spPr>
           <a:xfrm>
-            <a:off x="9154967" y="25381681"/>
+            <a:off x="9154967" y="25067218"/>
             <a:ext cx="5878864" cy="461665"/>
           </a:xfrm>
           <a:prstGeom prst="rect">
@@ -4517,7 +4535,7 @@
         </p:blipFill>
         <p:spPr>
           <a:xfrm rot="5400000">
-            <a:off x="12368941" y="20049532"/>
+            <a:off x="12337485" y="19075336"/>
             <a:ext cx="12502406" cy="3733800"/>
           </a:xfrm>
           <a:prstGeom prst="rect">
@@ -4626,7 +4644,7 @@
         <p:spPr>
           <a:xfrm>
             <a:off x="8606388" y="10983099"/>
-            <a:ext cx="11448052" cy="4081593"/>
+            <a:ext cx="11592068" cy="4081593"/>
           </a:xfrm>
           <a:prstGeom prst="rect">
             <a:avLst/>
@@ -4647,7 +4665,7 @@
         </p:nvSpPr>
         <p:spPr>
           <a:xfrm>
-            <a:off x="1025078" y="28233669"/>
+            <a:off x="938685" y="28868669"/>
             <a:ext cx="6302484" cy="707886"/>
           </a:xfrm>
           <a:prstGeom prst="rect">
@@ -4683,7 +4701,7 @@
         </p:nvSpPr>
         <p:spPr>
           <a:xfrm>
-            <a:off x="11925910" y="15167952"/>
+            <a:off x="11897025" y="14939932"/>
             <a:ext cx="5095820" cy="400110"/>
           </a:xfrm>
           <a:prstGeom prst="rect">
@@ -4733,7 +4751,7 @@
         </p:blipFill>
         <p:spPr>
           <a:xfrm>
-            <a:off x="16956672" y="28587612"/>
+            <a:off x="16781818" y="28233669"/>
             <a:ext cx="1270000" cy="1270000"/>
           </a:xfrm>
           <a:prstGeom prst="rect">
@@ -4755,7 +4773,7 @@
         </p:nvSpPr>
         <p:spPr>
           <a:xfrm>
-            <a:off x="18210032" y="28167635"/>
+            <a:off x="18051818" y="28072929"/>
             <a:ext cx="2763871" cy="2308324"/>
           </a:xfrm>
           <a:prstGeom prst="rect">
@@ -4863,6 +4881,42 @@
               <a:t> function, the second stage the C language running in the DDR starts</a:t>
             </a:r>
             <a:endParaRPr lang="zh-CN" altLang="zh-CN" sz="2800" dirty="0"/>
+          </a:p>
+        </p:txBody>
+      </p:sp>
+      <p:sp>
+        <p:nvSpPr>
+          <p:cNvPr id="6" name="文本框 5">
+            <a:extLst>
+              <a:ext uri="{FF2B5EF4-FFF2-40B4-BE49-F238E27FC236}">
+                <a16:creationId xmlns:a16="http://schemas.microsoft.com/office/drawing/2014/main" id="{9E63A3F8-1A52-6640-AFFB-7F4124924B80}"/>
+              </a:ext>
+            </a:extLst>
+          </p:cNvPr>
+          <p:cNvSpPr txBox="1"/>
+          <p:nvPr/>
+        </p:nvSpPr>
+        <p:spPr>
+          <a:xfrm>
+            <a:off x="16738271" y="27193439"/>
+            <a:ext cx="3672172" cy="707886"/>
+          </a:xfrm>
+          <a:prstGeom prst="rect">
+            <a:avLst/>
+          </a:prstGeom>
+          <a:noFill/>
+        </p:spPr>
+        <p:txBody>
+          <a:bodyPr wrap="square" rtlCol="0">
+            <a:spAutoFit/>
+          </a:bodyPr>
+          <a:lstStyle/>
+          <a:p>
+            <a:r>
+              <a:rPr kumimoji="1" lang="en-US" altLang="zh-CN" sz="2000" dirty="0"/>
+              <a:t>Figure 5: RTL structure diagram of CPU core</a:t>
+            </a:r>
+            <a:endParaRPr kumimoji="1" lang="zh-CN" altLang="en-US" sz="2000" dirty="0"/>
           </a:p>
         </p:txBody>
       </p:sp>

--- a/A1template.pptx
+++ b/A1template.pptx
@@ -4843,42 +4843,34 @@
           <a:p>
             <a:pPr algn="ctr"/>
             <a:r>
-              <a:rPr kumimoji="1" lang="en-US" altLang="zh-CN" sz="4400" dirty="0"/>
+              <a:rPr kumimoji="1" lang="en-US" altLang="zh-CN" sz="4400" b="1" dirty="0"/>
               <a:t>Bootloader ----U-boot</a:t>
             </a:r>
           </a:p>
           <a:p>
             <a:r>
-              <a:rPr lang="en-US" altLang="zh-CN" sz="2800" dirty="0" err="1"/>
-              <a:t>Uboot</a:t>
-            </a:r>
-            <a:r>
               <a:rPr lang="en-US" altLang="zh-CN" sz="2800" dirty="0"/>
-              <a:t> needs to have the ability to read and write flash. Its ultimate purpose is to read the kernel from flash, put it into memory, and start the kernel. </a:t>
-            </a:r>
-            <a:r>
-              <a:rPr lang="en-US" altLang="zh-CN" sz="2800" dirty="0" err="1"/>
-              <a:t>Uboot</a:t>
-            </a:r>
-            <a:r>
-              <a:rPr lang="en-US" altLang="zh-CN" sz="2800" dirty="0"/>
-              <a:t> starts in two stages. The first stage is the assembly stage running mainly in the </a:t>
-            </a:r>
-            <a:r>
-              <a:rPr lang="en-US" altLang="zh-CN" sz="2800" dirty="0" err="1"/>
-              <a:t>start.s</a:t>
+              <a:t>U-boot needs to have the ability to read and write flash. Its ultimate purpose is to read the kernel from flash, put it into memory, and start the kernel. U-boot starts in two stages. The first stage is the assembly stage running mainly in the </a:t>
+            </a:r>
+            <a:r>
+              <a:rPr lang="en-US" altLang="zh-CN" sz="2800" i="1" dirty="0" err="1"/>
+              <a:t>start.S</a:t>
             </a:r>
             <a:r>
               <a:rPr lang="en-US" altLang="zh-CN" sz="2800" dirty="0"/>
               <a:t> file. The main job on this stage is to initialize the hardware. When the program jumps to the </a:t>
             </a:r>
             <a:r>
-              <a:rPr lang="en-US" altLang="zh-CN" sz="2800" dirty="0" err="1"/>
-              <a:t>start_armboot</a:t>
+              <a:rPr lang="en-US" altLang="zh-CN" sz="2800" i="1" dirty="0" err="1"/>
+              <a:t>start_boot</a:t>
+            </a:r>
+            <a:r>
+              <a:rPr lang="en-US" altLang="zh-CN" sz="2800" i="1" dirty="0"/>
+              <a:t> </a:t>
             </a:r>
             <a:r>
               <a:rPr lang="en-US" altLang="zh-CN" sz="2800" dirty="0"/>
-              <a:t> function, the second stage the C language running in the DDR starts</a:t>
+              <a:t>function, the second stage the C language running in the DDR starts.</a:t>
             </a:r>
             <a:endParaRPr lang="zh-CN" altLang="zh-CN" sz="2800" dirty="0"/>
           </a:p>
